--- a/strategy_Pattern.pptx
+++ b/strategy_Pattern.pptx
@@ -2,7 +2,7 @@
 <file path=ppt/presentation.xml><?xml version="1.0" encoding="utf-8"?>
 <p:presentation xmlns:r="http://schemas.openxmlformats.org/officeDocument/2006/relationships" xmlns:c="http://schemas.openxmlformats.org/drawingml/2006/chart" xmlns:a="http://schemas.openxmlformats.org/drawingml/2006/main" xmlns:dgm="http://schemas.openxmlformats.org/drawingml/2006/diagram" xmlns:dsp="http://schemas.microsoft.com/office/drawing/2008/diagram" xmlns:p="http://schemas.openxmlformats.org/presentationml/2006/main" saveSubsetFonts="1">
   <p:sldMasterIdLst>
-    <p:sldMasterId id="2147483660" r:id="rId1"/>
+    <p:sldMasterId id="2147483672" r:id="rId1"/>
   </p:sldMasterIdLst>
   <p:notesMasterIdLst>
     <p:notesMasterId r:id="rId2"/>
@@ -15,6 +15,9 @@
     <p:sldId id="260" r:id="rId7"/>
     <p:sldId id="261" r:id="rId8"/>
     <p:sldId id="262" r:id="rId9"/>
+    <p:sldId id="263" r:id="rId10"/>
+    <p:sldId id="264" r:id="rId11"/>
+    <p:sldId id="265" r:id="rId12"/>
   </p:sldIdLst>
   <p:sldSz cx="12192000" cy="6858000"/>
   <p:notesSz cx="6735763" cy="9866313"/>
@@ -503,6 +506,346 @@
     </a:lvl9pPr>
   </p:notesStyle>
 </p:notesMaster>
+</file>
+
+<file path=ppt/notesSlides/notesSlide1.xml><?xml version="1.0" encoding="utf-8"?>
+<p:notes xmlns:r="http://schemas.openxmlformats.org/officeDocument/2006/relationships" xmlns:c="http://schemas.openxmlformats.org/drawingml/2006/chart" xmlns:a="http://schemas.openxmlformats.org/drawingml/2006/main" xmlns:dgm="http://schemas.openxmlformats.org/drawingml/2006/diagram" xmlns:dsp="http://schemas.microsoft.com/office/drawing/2008/diagram" xmlns:p="http://schemas.openxmlformats.org/presentationml/2006/main">
+  <p:cSld>
+    <p:spTree>
+      <p:nvGrpSpPr>
+        <p:cNvPr id="1" name=""/>
+        <p:cNvGrpSpPr/>
+        <p:nvPr/>
+      </p:nvGrpSpPr>
+      <p:grpSpPr>
+        <a:xfrm>
+          <a:off x="0" y="0"/>
+          <a:ext cx="0" cy="0"/>
+          <a:chOff x="0" y="0"/>
+          <a:chExt cx="0" cy="0"/>
+        </a:xfrm>
+      </p:grpSpPr>
+      <p:sp>
+        <p:nvSpPr>
+          <p:cNvPr id="2" name="슬라이드 이미지 개체 틀 3"/>
+          <p:cNvSpPr>
+            <a:spLocks noGrp="1" noRot="1" noChangeAspect="1" noTextEdit="1"/>
+          </p:cNvSpPr>
+          <p:nvPr>
+            <p:ph type="sldImg" idx="2"/>
+          </p:nvPr>
+        </p:nvSpPr>
+        <p:spPr/>
+        <p:txBody>
+          <a:bodyPr/>
+          <a:lstStyle/>
+          <a:p>
+            <a:pPr>
+              <a:defRPr/>
+            </a:pPr>
+            <a:endParaRPr lang="ko-KR" altLang="en-US"/>
+          </a:p>
+        </p:txBody>
+      </p:sp>
+      <p:sp>
+        <p:nvSpPr>
+          <p:cNvPr id="3" name="슬라이드 노트 개체 틀 4"/>
+          <p:cNvSpPr>
+            <a:spLocks noGrp="1"/>
+          </p:cNvSpPr>
+          <p:nvPr>
+            <p:ph type="body" sz="quarter" idx="3"/>
+          </p:nvPr>
+        </p:nvSpPr>
+        <p:spPr/>
+        <p:txBody>
+          <a:bodyPr/>
+          <a:lstStyle/>
+          <a:p>
+            <a:pPr>
+              <a:defRPr/>
+            </a:pPr>
+            <a:r>
+              <a:rPr lang="en-US" altLang="ko-KR"/>
+              <a:t>OCP</a:t>
+            </a:r>
+            <a:r>
+              <a:rPr lang="ko-KR" altLang="en-US"/>
+              <a:t> 개방폐쇄 원칙 </a:t>
+            </a:r>
+            <a:r>
+              <a:rPr lang="en-US" altLang="ko-KR"/>
+              <a:t>-&gt;</a:t>
+            </a:r>
+            <a:r>
+              <a:rPr lang="ko-KR" altLang="en-US"/>
+              <a:t> </a:t>
+            </a:r>
+            <a:endParaRPr lang="ko-KR" altLang="en-US"/>
+          </a:p>
+          <a:p>
+            <a:pPr>
+              <a:defRPr/>
+            </a:pPr>
+            <a:r>
+              <a:rPr lang="ko-KR" altLang="en-US"/>
+              <a:t>확장에는 열려 있어야하고</a:t>
+            </a:r>
+            <a:r>
+              <a:rPr lang="en-US" altLang="ko-KR"/>
+              <a:t>,</a:t>
+            </a:r>
+            <a:r>
+              <a:rPr lang="ko-KR" altLang="en-US"/>
+              <a:t> 변경에는 닫혀있어야 한다</a:t>
+            </a:r>
+            <a:r>
+              <a:rPr lang="en-US" altLang="ko-KR"/>
+              <a:t>.</a:t>
+            </a:r>
+            <a:r>
+              <a:rPr lang="ko-KR" altLang="en-US"/>
+              <a:t> </a:t>
+            </a:r>
+            <a:r>
+              <a:rPr lang="en-US" altLang="ko-KR"/>
+              <a:t>-&gt;</a:t>
+            </a:r>
+            <a:r>
+              <a:rPr lang="ko-KR" altLang="en-US"/>
+              <a:t> 기능을 변경하거나 확장할 수 있으면서 그 기능을 사용하는 코드는 수정하지 않는다</a:t>
+            </a:r>
+            <a:r>
+              <a:rPr lang="en-US" altLang="ko-KR"/>
+              <a:t>.</a:t>
+            </a:r>
+            <a:endParaRPr lang="en-US" altLang="ko-KR"/>
+          </a:p>
+          <a:p>
+            <a:pPr>
+              <a:defRPr/>
+            </a:pPr>
+            <a:r>
+              <a:rPr lang="en-US" altLang="ko-KR"/>
+              <a:t>-&gt;</a:t>
+            </a:r>
+            <a:r>
+              <a:rPr lang="ko-KR" altLang="en-US"/>
+              <a:t>전략패턴에 어울리는 내용</a:t>
+            </a:r>
+            <a:r>
+              <a:rPr lang="en-US" altLang="ko-KR"/>
+              <a:t>...</a:t>
+            </a:r>
+            <a:endParaRPr lang="en-US" altLang="ko-KR"/>
+          </a:p>
+        </p:txBody>
+      </p:sp>
+      <p:sp>
+        <p:nvSpPr>
+          <p:cNvPr id="4" name="슬라이드 번호 개체 틀 6"/>
+          <p:cNvSpPr>
+            <a:spLocks noGrp="1"/>
+          </p:cNvSpPr>
+          <p:nvPr>
+            <p:ph type="sldNum" sz="quarter" idx="5"/>
+          </p:nvPr>
+        </p:nvSpPr>
+        <p:spPr/>
+        <p:txBody>
+          <a:bodyPr/>
+          <a:lstStyle/>
+          <a:p>
+            <a:pPr lvl="0">
+              <a:defRPr/>
+            </a:pPr>
+            <a:fld id="{3698BE7A-A975-4685-9393-F61C7D1D7DF4}" type="slidenum">
+              <a:rPr lang="en-US" altLang="en-US"/>
+              <a:pPr lvl="0">
+                <a:defRPr/>
+              </a:pPr>
+              <a:t>9</a:t>
+            </a:fld>
+            <a:endParaRPr lang="en-US" altLang="en-US"/>
+          </a:p>
+        </p:txBody>
+      </p:sp>
+    </p:spTree>
+  </p:cSld>
+  <p:clrMapOvr>
+    <a:masterClrMapping/>
+  </p:clrMapOvr>
+</p:notes>
+</file>
+
+<file path=ppt/notesSlides/notesSlide2.xml><?xml version="1.0" encoding="utf-8"?>
+<p:notes xmlns:r="http://schemas.openxmlformats.org/officeDocument/2006/relationships" xmlns:c="http://schemas.openxmlformats.org/drawingml/2006/chart" xmlns:a="http://schemas.openxmlformats.org/drawingml/2006/main" xmlns:dgm="http://schemas.openxmlformats.org/drawingml/2006/diagram" xmlns:dsp="http://schemas.microsoft.com/office/drawing/2008/diagram" xmlns:p="http://schemas.openxmlformats.org/presentationml/2006/main">
+  <p:cSld>
+    <p:spTree>
+      <p:nvGrpSpPr>
+        <p:cNvPr id="1" name=""/>
+        <p:cNvGrpSpPr/>
+        <p:nvPr/>
+      </p:nvGrpSpPr>
+      <p:grpSpPr>
+        <a:xfrm>
+          <a:off x="0" y="0"/>
+          <a:ext cx="0" cy="0"/>
+          <a:chOff x="0" y="0"/>
+          <a:chExt cx="0" cy="0"/>
+        </a:xfrm>
+      </p:grpSpPr>
+      <p:sp>
+        <p:nvSpPr>
+          <p:cNvPr id="2" name="슬라이드 이미지 개체 틀 3"/>
+          <p:cNvSpPr>
+            <a:spLocks noGrp="1" noRot="1" noChangeAspect="1" noTextEdit="1"/>
+          </p:cNvSpPr>
+          <p:nvPr>
+            <p:ph type="sldImg" idx="2"/>
+          </p:nvPr>
+        </p:nvSpPr>
+        <p:spPr/>
+        <p:txBody>
+          <a:bodyPr/>
+          <a:lstStyle/>
+          <a:p>
+            <a:pPr>
+              <a:defRPr/>
+            </a:pPr>
+            <a:endParaRPr lang="ko-KR" altLang="en-US"/>
+          </a:p>
+        </p:txBody>
+      </p:sp>
+      <p:sp>
+        <p:nvSpPr>
+          <p:cNvPr id="3" name="슬라이드 노트 개체 틀 4"/>
+          <p:cNvSpPr>
+            <a:spLocks noGrp="1"/>
+          </p:cNvSpPr>
+          <p:nvPr>
+            <p:ph type="body" sz="quarter" idx="3"/>
+          </p:nvPr>
+        </p:nvSpPr>
+        <p:spPr/>
+        <p:txBody>
+          <a:bodyPr/>
+          <a:lstStyle/>
+          <a:p>
+            <a:pPr>
+              <a:defRPr/>
+            </a:pPr>
+            <a:r>
+              <a:rPr lang="en-US" altLang="ko-KR"/>
+              <a:t>OCP</a:t>
+            </a:r>
+            <a:r>
+              <a:rPr lang="ko-KR" altLang="en-US"/>
+              <a:t> 개방폐쇄 원칙 </a:t>
+            </a:r>
+            <a:r>
+              <a:rPr lang="en-US" altLang="ko-KR"/>
+              <a:t>-&gt;</a:t>
+            </a:r>
+            <a:r>
+              <a:rPr lang="ko-KR" altLang="en-US"/>
+              <a:t> </a:t>
+            </a:r>
+            <a:endParaRPr lang="ko-KR" altLang="en-US"/>
+          </a:p>
+          <a:p>
+            <a:pPr>
+              <a:defRPr/>
+            </a:pPr>
+            <a:r>
+              <a:rPr lang="ko-KR" altLang="en-US"/>
+              <a:t>확장에는 열려 있어야하고</a:t>
+            </a:r>
+            <a:r>
+              <a:rPr lang="en-US" altLang="ko-KR"/>
+              <a:t>,</a:t>
+            </a:r>
+            <a:r>
+              <a:rPr lang="ko-KR" altLang="en-US"/>
+              <a:t> 변경에는 닫혀있어야 한다</a:t>
+            </a:r>
+            <a:r>
+              <a:rPr lang="en-US" altLang="ko-KR"/>
+              <a:t>.</a:t>
+            </a:r>
+            <a:r>
+              <a:rPr lang="ko-KR" altLang="en-US"/>
+              <a:t> </a:t>
+            </a:r>
+            <a:r>
+              <a:rPr lang="en-US" altLang="ko-KR"/>
+              <a:t>-&gt;</a:t>
+            </a:r>
+            <a:r>
+              <a:rPr lang="ko-KR" altLang="en-US"/>
+              <a:t> 기능을 변경하거나 확장할 수 있으면서 그 기능을 사용하는 코드는 수정하지 않는다</a:t>
+            </a:r>
+            <a:r>
+              <a:rPr lang="en-US" altLang="ko-KR"/>
+              <a:t>.</a:t>
+            </a:r>
+            <a:endParaRPr lang="en-US" altLang="ko-KR"/>
+          </a:p>
+          <a:p>
+            <a:pPr>
+              <a:defRPr/>
+            </a:pPr>
+            <a:r>
+              <a:rPr lang="en-US" altLang="ko-KR"/>
+              <a:t>-&gt;</a:t>
+            </a:r>
+            <a:r>
+              <a:rPr lang="ko-KR" altLang="en-US"/>
+              <a:t>전략패턴에 어울리는 내용</a:t>
+            </a:r>
+            <a:r>
+              <a:rPr lang="en-US" altLang="ko-KR"/>
+              <a:t>...</a:t>
+            </a:r>
+            <a:endParaRPr lang="en-US" altLang="ko-KR"/>
+          </a:p>
+        </p:txBody>
+      </p:sp>
+      <p:sp>
+        <p:nvSpPr>
+          <p:cNvPr id="4" name="슬라이드 번호 개체 틀 6"/>
+          <p:cNvSpPr>
+            <a:spLocks noGrp="1"/>
+          </p:cNvSpPr>
+          <p:nvPr>
+            <p:ph type="sldNum" sz="quarter" idx="5"/>
+          </p:nvPr>
+        </p:nvSpPr>
+        <p:spPr/>
+        <p:txBody>
+          <a:bodyPr/>
+          <a:lstStyle/>
+          <a:p>
+            <a:pPr lvl="0">
+              <a:defRPr/>
+            </a:pPr>
+            <a:fld id="{3698BE7A-A975-4685-9393-F61C7D1D7DF4}" type="slidenum">
+              <a:rPr lang="en-US" altLang="en-US"/>
+              <a:pPr lvl="0">
+                <a:defRPr/>
+              </a:pPr>
+              <a:t>10</a:t>
+            </a:fld>
+            <a:endParaRPr lang="en-US" altLang="en-US"/>
+          </a:p>
+        </p:txBody>
+      </p:sp>
+    </p:spTree>
+  </p:cSld>
+  <p:clrMapOvr>
+    <a:masterClrMapping/>
+  </p:clrMapOvr>
+</p:notes>
 </file>
 
 <file path=ppt/slideLayouts/slideLayout1.xml><?xml version="1.0" encoding="utf-8"?>
@@ -3539,49 +3882,9 @@
                             <a:schemeClr val="tx1"/>
                           </a:solidFill>
                         </a:rPr>
-                        <a:t>8</a:t>
+                        <a:t>Pattern</a:t>
                       </a:r>
-                      <a:r>
-                        <a:rPr lang="ko-KR" altLang="en-US">
-                          <a:solidFill>
-                            <a:schemeClr val="tx1"/>
-                          </a:solidFill>
-                        </a:rPr>
-                        <a:t>기 </a:t>
-                      </a:r>
-                      <a:r>
-                        <a:rPr lang="en-US" altLang="ko-KR">
-                          <a:solidFill>
-                            <a:schemeClr val="tx1"/>
-                          </a:solidFill>
-                        </a:rPr>
-                        <a:t>C</a:t>
-                      </a:r>
-                      <a:r>
-                        <a:rPr lang="ko-KR" altLang="en-US">
-                          <a:solidFill>
-                            <a:schemeClr val="tx1"/>
-                          </a:solidFill>
-                        </a:rPr>
-                        <a:t>반 </a:t>
-                      </a:r>
-                      <a:r>
-                        <a:rPr lang="en-US" altLang="ko-KR">
-                          <a:solidFill>
-                            <a:schemeClr val="tx1"/>
-                          </a:solidFill>
-                        </a:rPr>
-                        <a:t>6</a:t>
-                      </a:r>
-                      <a:r>
-                        <a:rPr lang="ko-KR" altLang="en-US">
-                          <a:solidFill>
-                            <a:schemeClr val="tx1"/>
-                          </a:solidFill>
-                        </a:rPr>
-                        <a:t>조</a:t>
-                      </a:r>
-                      <a:endParaRPr lang="ko-KR" altLang="en-US">
+                      <a:endParaRPr lang="en-US" altLang="ko-KR">
                         <a:solidFill>
                           <a:schemeClr val="tx1"/>
                         </a:solidFill>
@@ -3634,34 +3937,10 @@
                         <a:defRPr/>
                       </a:pPr>
                       <a:r>
-                        <a:rPr lang="ko-KR" altLang="en-US" b="1"/>
-                        <a:t>팀장 </a:t>
+                        <a:rPr lang="en-US" altLang="ko-KR" b="1"/>
+                        <a:t>Strategy_pattern</a:t>
                       </a:r>
-                      <a:r>
-                        <a:rPr lang="en-US" altLang="ko-KR" b="1"/>
-                        <a:t>:</a:t>
-                      </a:r>
-                      <a:r>
-                        <a:rPr lang="ko-KR" altLang="en-US" b="1"/>
-                        <a:t>김진무 팀원</a:t>
-                      </a:r>
-                      <a:r>
-                        <a:rPr lang="en-US" altLang="ko-KR" b="1"/>
-                        <a:t>:</a:t>
-                      </a:r>
-                      <a:r>
-                        <a:rPr lang="ko-KR" altLang="en-US" b="1"/>
-                        <a:t> 한호성</a:t>
-                      </a:r>
-                      <a:r>
-                        <a:rPr lang="en-US" altLang="ko-KR" b="1"/>
-                        <a:t>,</a:t>
-                      </a:r>
-                      <a:r>
-                        <a:rPr lang="ko-KR" altLang="en-US" b="1"/>
-                        <a:t>은예찬</a:t>
-                      </a:r>
-                      <a:endParaRPr lang="ko-KR" altLang="en-US" b="1"/>
+                      <a:endParaRPr lang="en-US" altLang="ko-KR" b="1"/>
                     </a:p>
                   </a:txBody>
                   <a:tcPr marL="91440" marR="91440">
@@ -3739,17 +4018,6 @@
               <a:defRPr lang="ko-KR" altLang="en-US"/>
             </a:pPr>
             <a:r>
-              <a:rPr xmlns:mc="http://schemas.openxmlformats.org/markup-compatibility/2006" xmlns:hp="http://schemas.haansoft.com/office/presentation/8.0" kumimoji="0" lang="ko-KR" altLang="en-US" sz="4400" b="0" i="0" u="none" strike="noStrike" kern="1200" cap="none" spc="0" normalizeH="0" baseline="0" mc:Ignorable="hp" hp:hslEmbossed="0">
-                <a:solidFill>
-                  <a:schemeClr val="tx1"/>
-                </a:solidFill>
-                <a:latin typeface="+mj-lt"/>
-                <a:ea typeface="+mj-ea"/>
-                <a:cs typeface="+mj-cs"/>
-              </a:rPr>
-              <a:t>항해 </a:t>
-            </a:r>
-            <a:r>
               <a:rPr xmlns:mc="http://schemas.openxmlformats.org/markup-compatibility/2006" xmlns:hp="http://schemas.haansoft.com/office/presentation/8.0" kumimoji="0" lang="en-US" altLang="ko-KR" sz="4400" b="0" i="0" u="none" strike="noStrike" kern="1200" cap="none" spc="0" normalizeH="0" baseline="0" mc:Ignorable="hp" hp:hslEmbossed="0">
                 <a:solidFill>
                   <a:schemeClr val="tx1"/>
@@ -3758,20 +4026,9 @@
                 <a:ea typeface="+mj-ea"/>
                 <a:cs typeface="+mj-cs"/>
               </a:rPr>
-              <a:t>1</a:t>
-            </a:r>
-            <a:r>
-              <a:rPr xmlns:mc="http://schemas.openxmlformats.org/markup-compatibility/2006" xmlns:hp="http://schemas.haansoft.com/office/presentation/8.0" kumimoji="0" lang="ko-KR" altLang="en-US" sz="4400" b="0" i="0" u="none" strike="noStrike" kern="1200" cap="none" spc="0" normalizeH="0" baseline="0" mc:Ignorable="hp" hp:hslEmbossed="0">
-                <a:solidFill>
-                  <a:schemeClr val="tx1"/>
-                </a:solidFill>
-                <a:latin typeface="+mj-lt"/>
-                <a:ea typeface="+mj-ea"/>
-                <a:cs typeface="+mj-cs"/>
-              </a:rPr>
-              <a:t>주차 회고 발표</a:t>
-            </a:r>
-            <a:endParaRPr xmlns:mc="http://schemas.openxmlformats.org/markup-compatibility/2006" xmlns:hp="http://schemas.haansoft.com/office/presentation/8.0" kumimoji="0" lang="ko-KR" altLang="en-US" sz="4400" b="0" i="0" u="none" strike="noStrike" kern="1200" cap="none" spc="0" normalizeH="0" baseline="0" mc:Ignorable="hp" hp:hslEmbossed="0">
+              <a:t>Design_Pattern</a:t>
+            </a:r>
+            <a:endParaRPr xmlns:mc="http://schemas.openxmlformats.org/markup-compatibility/2006" xmlns:hp="http://schemas.haansoft.com/office/presentation/8.0" kumimoji="0" lang="en-US" altLang="ko-KR" sz="4400" b="0" i="0" u="none" strike="noStrike" kern="1200" cap="none" spc="0" normalizeH="0" baseline="0" mc:Ignorable="hp" hp:hslEmbossed="0">
               <a:solidFill>
                 <a:schemeClr val="tx1"/>
               </a:solidFill>
@@ -3779,6 +4036,270 @@
               <a:ea typeface="+mj-ea"/>
               <a:cs typeface="+mj-cs"/>
             </a:endParaRPr>
+          </a:p>
+        </p:txBody>
+      </p:sp>
+    </p:spTree>
+  </p:cSld>
+  <p:clrMapOvr>
+    <a:masterClrMapping/>
+  </p:clrMapOvr>
+  <mc:AlternateContent xmlns:mc="http://schemas.openxmlformats.org/markup-compatibility/2006">
+    <mc:Choice xmlns:p14="http://schemas.microsoft.com/office/powerpoint/2010/main" Requires="p14">
+      <p:transition xmlns:mc="http://schemas.openxmlformats.org/markup-compatibility/2006" xmlns:p14="http://schemas.microsoft.com/office/powerpoint/2010/main" mc:Ignorable="p14" p14:dur="500"/>
+    </mc:Choice>
+    <mc:Fallback>
+      <p:transition/>
+    </mc:Fallback>
+  </mc:AlternateContent>
+</p:sld>
+</file>
+
+<file path=ppt/slides/slide10.xml><?xml version="1.0" encoding="utf-8"?>
+<p:sld xmlns:r="http://schemas.openxmlformats.org/officeDocument/2006/relationships" xmlns:c="http://schemas.openxmlformats.org/drawingml/2006/chart" xmlns:a="http://schemas.openxmlformats.org/drawingml/2006/main" xmlns:dgm="http://schemas.openxmlformats.org/drawingml/2006/diagram" xmlns:dsp="http://schemas.microsoft.com/office/drawing/2008/diagram" xmlns:p="http://schemas.openxmlformats.org/presentationml/2006/main">
+  <p:cSld>
+    <p:spTree>
+      <p:nvGrpSpPr>
+        <p:cNvPr id="1" name=""/>
+        <p:cNvGrpSpPr/>
+        <p:nvPr/>
+      </p:nvGrpSpPr>
+      <p:grpSpPr>
+        <a:xfrm>
+          <a:off x="0" y="0"/>
+          <a:ext cx="0" cy="0"/>
+          <a:chOff x="0" y="0"/>
+          <a:chExt cx="0" cy="0"/>
+        </a:xfrm>
+      </p:grpSpPr>
+      <p:sp>
+        <p:nvSpPr>
+          <p:cNvPr id="13" name="TextBox 12"/>
+          <p:cNvSpPr txBox="1"/>
+          <p:nvPr/>
+        </p:nvSpPr>
+        <p:spPr>
+          <a:xfrm>
+            <a:off x="281937" y="101138"/>
+            <a:ext cx="2019303" cy="392257"/>
+          </a:xfrm>
+          <a:prstGeom prst="rect">
+            <a:avLst/>
+          </a:prstGeom>
+          <a:noFill/>
+        </p:spPr>
+        <p:txBody>
+          <a:bodyPr wrap="none">
+            <a:spAutoFit/>
+          </a:bodyPr>
+          <a:lstStyle/>
+          <a:p>
+            <a:pPr lvl="0">
+              <a:defRPr/>
+            </a:pPr>
+            <a:r>
+              <a:rPr lang="en-US" altLang="ko-KR" sz="2000" b="1">
+                <a:latin typeface="KoPubWorld돋움체 Bold"/>
+                <a:ea typeface="KoPubWorld돋움체 Bold"/>
+                <a:cs typeface="KoPubWorld돋움체 Bold"/>
+              </a:rPr>
+              <a:t>3.</a:t>
+            </a:r>
+            <a:r>
+              <a:rPr lang="ko-KR" altLang="en-US" sz="2000" b="1">
+                <a:latin typeface="KoPubWorld돋움체 Bold"/>
+                <a:ea typeface="KoPubWorld돋움체 Bold"/>
+                <a:cs typeface="KoPubWorld돋움체 Bold"/>
+              </a:rPr>
+              <a:t> 추가공부내용 </a:t>
+            </a:r>
+            <a:endParaRPr lang="ko-KR" altLang="en-US" sz="2000" b="1">
+              <a:latin typeface="KoPubWorld돋움체 Bold"/>
+              <a:ea typeface="KoPubWorld돋움체 Bold"/>
+              <a:cs typeface="KoPubWorld돋움체 Bold"/>
+            </a:endParaRPr>
+          </a:p>
+        </p:txBody>
+      </p:sp>
+      <p:sp>
+        <p:nvSpPr>
+          <p:cNvPr id="16" name="직사각형 15"/>
+          <p:cNvSpPr/>
+          <p:nvPr/>
+        </p:nvSpPr>
+        <p:spPr>
+          <a:xfrm>
+            <a:off x="236831" y="711342"/>
+            <a:ext cx="10865856" cy="639303"/>
+          </a:xfrm>
+          <a:prstGeom prst="rect">
+            <a:avLst/>
+          </a:prstGeom>
+        </p:spPr>
+        <p:txBody>
+          <a:bodyPr wrap="square">
+            <a:spAutoFit/>
+          </a:bodyPr>
+          <a:lstStyle/>
+          <a:p>
+            <a:pPr>
+              <a:defRPr/>
+            </a:pPr>
+            <a:r>
+              <a:rPr lang="ko-KR" altLang="en-US" sz="3600" b="1">
+                <a:latin typeface="KoPubWorld돋움체 Bold"/>
+                <a:ea typeface="KoPubWorld돋움체 Bold"/>
+                <a:cs typeface="KoPubWorld돋움체 Bold"/>
+              </a:rPr>
+              <a:t>공부 필요한 것  </a:t>
+            </a:r>
+            <a:endParaRPr lang="ko-KR" altLang="en-US" sz="3600" b="1">
+              <a:latin typeface="KoPubWorld돋움체 Bold"/>
+              <a:ea typeface="KoPubWorld돋움체 Bold"/>
+              <a:cs typeface="KoPubWorld돋움체 Bold"/>
+            </a:endParaRPr>
+          </a:p>
+        </p:txBody>
+      </p:sp>
+      <p:sp>
+        <p:nvSpPr>
+          <p:cNvPr id="70" name=""/>
+          <p:cNvSpPr txBox="1"/>
+          <p:nvPr/>
+        </p:nvSpPr>
+        <p:spPr>
+          <a:xfrm>
+            <a:off x="235434" y="1551630"/>
+            <a:ext cx="11327730" cy="2189790"/>
+          </a:xfrm>
+          <a:prstGeom prst="rect">
+            <a:avLst/>
+          </a:prstGeom>
+        </p:spPr>
+        <p:txBody>
+          <a:bodyPr wrap="square">
+            <a:spAutoFit/>
+          </a:bodyPr>
+          <a:lstStyle/>
+          <a:p>
+            <a:pPr>
+              <a:defRPr/>
+            </a:pPr>
+            <a:r>
+              <a:rPr lang="en-US" altLang="ko-KR" sz="2300"/>
+              <a:t>1.</a:t>
+            </a:r>
+            <a:r>
+              <a:rPr lang="ko-KR" altLang="en-US" sz="2300"/>
+              <a:t> 객체지향 </a:t>
+            </a:r>
+            <a:r>
+              <a:rPr lang="en-US" altLang="ko-KR" sz="2300"/>
+              <a:t>(SOLID)</a:t>
+            </a:r>
+            <a:r>
+              <a:rPr lang="ko-KR" altLang="en-US" sz="2300"/>
+              <a:t> 규칙에 대한 공부 필요</a:t>
+            </a:r>
+            <a:r>
+              <a:rPr lang="en-US" altLang="ko-KR" sz="2300"/>
+              <a:t>.</a:t>
+            </a:r>
+            <a:r>
+              <a:rPr lang="ko-KR" altLang="en-US" sz="2300"/>
+              <a:t> </a:t>
+            </a:r>
+            <a:r>
+              <a:rPr lang="en-US" altLang="ko-KR" sz="2300"/>
+              <a:t>(</a:t>
+            </a:r>
+            <a:r>
+              <a:rPr lang="ko-KR" altLang="en-US" sz="2300"/>
+              <a:t>디자인패턴과 연관지어 생각해보기</a:t>
+            </a:r>
+            <a:r>
+              <a:rPr lang="en-US" altLang="ko-KR" sz="2300"/>
+              <a:t>)</a:t>
+            </a:r>
+            <a:endParaRPr lang="en-US" altLang="ko-KR" sz="2300"/>
+          </a:p>
+          <a:p>
+            <a:pPr>
+              <a:defRPr/>
+            </a:pPr>
+            <a:endParaRPr lang="ko-KR" altLang="en-US" sz="2300"/>
+          </a:p>
+          <a:p>
+            <a:pPr>
+              <a:defRPr/>
+            </a:pPr>
+            <a:r>
+              <a:rPr lang="ko-KR" altLang="en-US" sz="2300"/>
+              <a:t> </a:t>
+            </a:r>
+            <a:r>
+              <a:rPr lang="en-US" altLang="ko-KR" sz="2300"/>
+              <a:t>-</a:t>
+            </a:r>
+            <a:r>
+              <a:rPr lang="ko-KR" altLang="en-US" sz="2300"/>
+              <a:t> 객체지향의 기본 규칙 원칙에 대한 개념이 부족하다</a:t>
+            </a:r>
+            <a:r>
+              <a:rPr lang="en-US" altLang="ko-KR" sz="2300"/>
+              <a:t>.</a:t>
+            </a:r>
+            <a:r>
+              <a:rPr lang="ko-KR" altLang="en-US" sz="2300"/>
+              <a:t> </a:t>
+            </a:r>
+            <a:endParaRPr lang="ko-KR" altLang="en-US" sz="2300"/>
+          </a:p>
+          <a:p>
+            <a:pPr>
+              <a:defRPr/>
+            </a:pPr>
+            <a:endParaRPr lang="ko-KR" altLang="en-US" sz="2300"/>
+          </a:p>
+          <a:p>
+            <a:pPr>
+              <a:defRPr/>
+            </a:pPr>
+            <a:r>
+              <a:rPr lang="en-US" altLang="ko-KR" sz="2300"/>
+              <a:t>2.</a:t>
+            </a:r>
+            <a:r>
+              <a:rPr lang="ko-KR" altLang="en-US" sz="2300"/>
+              <a:t> 전략패턴을 어떤 상황에 적용해야하는지에 대한 경험</a:t>
+            </a:r>
+            <a:r>
+              <a:rPr lang="en-US" altLang="ko-KR" sz="2300"/>
+              <a:t>..</a:t>
+            </a:r>
+            <a:r>
+              <a:rPr lang="ko-KR" altLang="en-US" sz="2300"/>
+              <a:t>부족 </a:t>
+            </a:r>
+            <a:endParaRPr lang="en-US" altLang="ko-KR" sz="2300"/>
+          </a:p>
+          <a:p>
+            <a:pPr>
+              <a:defRPr/>
+            </a:pPr>
+            <a:r>
+              <a:rPr lang="en-US" altLang="ko-KR" sz="2300"/>
+              <a:t>--&gt;</a:t>
+            </a:r>
+            <a:r>
+              <a:rPr lang="ko-KR" altLang="en-US" sz="2300"/>
+              <a:t> 코드를 작성하면서  써보려고 생각해보기</a:t>
+            </a:r>
+            <a:r>
+              <a:rPr lang="en-US" altLang="ko-KR" sz="2300"/>
+              <a:t>.</a:t>
+            </a:r>
+            <a:endParaRPr lang="en-US" altLang="ko-KR" sz="2300"/>
           </a:p>
         </p:txBody>
       </p:sp>
@@ -3991,7 +4512,7 @@
                 <a:ea typeface="KoPubWorld돋움체 Light"/>
                 <a:cs typeface="KoPubWorld돋움체 Light"/>
               </a:rPr>
-              <a:t>프로젝트 소개 및 시연</a:t>
+              <a:t>디자인 패턴</a:t>
             </a:r>
             <a:endParaRPr lang="ko-KR" altLang="en-US" sz="2200" b="1">
               <a:latin typeface="KoPubWorld돋움체 Light"/>
@@ -4003,14 +4524,65 @@
       </p:sp>
       <p:sp>
         <p:nvSpPr>
-          <p:cNvPr id="18" name=""/>
+          <p:cNvPr id="19" name=""/>
           <p:cNvSpPr txBox="1"/>
           <p:nvPr/>
         </p:nvSpPr>
         <p:spPr>
           <a:xfrm>
-            <a:off x="2340545" y="3775631"/>
-            <a:ext cx="4121871" cy="594439"/>
+            <a:off x="2292106" y="3034712"/>
+            <a:ext cx="4237454" cy="592408"/>
+          </a:xfrm>
+          <a:prstGeom prst="rect">
+            <a:avLst/>
+          </a:prstGeom>
+        </p:spPr>
+        <p:txBody>
+          <a:bodyPr wrap="square">
+            <a:spAutoFit/>
+          </a:bodyPr>
+          <a:lstStyle/>
+          <a:p>
+            <a:pPr>
+              <a:lnSpc>
+                <a:spcPct val="150000"/>
+              </a:lnSpc>
+              <a:defRPr/>
+            </a:pPr>
+            <a:r>
+              <a:rPr lang="en-US" altLang="ko-KR" sz="2200" b="1">
+                <a:latin typeface="KoPubWorld돋움체 Light"/>
+                <a:ea typeface="KoPubWorld돋움체 Light"/>
+                <a:cs typeface="KoPubWorld돋움체 Light"/>
+              </a:rPr>
+              <a:t>2.</a:t>
+            </a:r>
+            <a:r>
+              <a:rPr lang="ko-KR" altLang="en-US" sz="2200" b="1">
+                <a:latin typeface="KoPubWorld돋움체 Light"/>
+                <a:ea typeface="KoPubWorld돋움체 Light"/>
+                <a:cs typeface="KoPubWorld돋움체 Light"/>
+              </a:rPr>
+              <a:t> 전략패턴 구현 및 알게 된 점</a:t>
+            </a:r>
+            <a:endParaRPr lang="ko-KR" altLang="en-US" sz="2200" b="1">
+              <a:latin typeface="KoPubWorld돋움체 Light"/>
+              <a:ea typeface="KoPubWorld돋움체 Light"/>
+              <a:cs typeface="KoPubWorld돋움체 Light"/>
+            </a:endParaRPr>
+          </a:p>
+        </p:txBody>
+      </p:sp>
+      <p:sp>
+        <p:nvSpPr>
+          <p:cNvPr id="20" name=""/>
+          <p:cNvSpPr txBox="1"/>
+          <p:nvPr/>
+        </p:nvSpPr>
+        <p:spPr>
+          <a:xfrm>
+            <a:off x="2288492" y="3740116"/>
+            <a:ext cx="4121871" cy="594440"/>
           </a:xfrm>
           <a:prstGeom prst="rect">
             <a:avLst/>
@@ -4042,68 +4614,9 @@
                 <a:ea typeface="KoPubWorld돋움체 Light"/>
                 <a:cs typeface="KoPubWorld돋움체 Light"/>
               </a:rPr>
-              <a:t> 프로젝트 회고</a:t>
+              <a:t> 추가 공부해야 하는 내용</a:t>
             </a:r>
             <a:endParaRPr lang="ko-KR" altLang="en-US" sz="2200" b="1">
-              <a:latin typeface="KoPubWorld돋움체 Light"/>
-              <a:ea typeface="KoPubWorld돋움체 Light"/>
-              <a:cs typeface="KoPubWorld돋움체 Light"/>
-            </a:endParaRPr>
-          </a:p>
-        </p:txBody>
-      </p:sp>
-      <p:sp>
-        <p:nvSpPr>
-          <p:cNvPr id="19" name=""/>
-          <p:cNvSpPr txBox="1"/>
-          <p:nvPr/>
-        </p:nvSpPr>
-        <p:spPr>
-          <a:xfrm>
-            <a:off x="2292106" y="3034712"/>
-            <a:ext cx="2917844" cy="592408"/>
-          </a:xfrm>
-          <a:prstGeom prst="rect">
-            <a:avLst/>
-          </a:prstGeom>
-        </p:spPr>
-        <p:txBody>
-          <a:bodyPr wrap="square">
-            <a:spAutoFit/>
-          </a:bodyPr>
-          <a:lstStyle/>
-          <a:p>
-            <a:pPr>
-              <a:lnSpc>
-                <a:spcPct val="150000"/>
-              </a:lnSpc>
-              <a:defRPr/>
-            </a:pPr>
-            <a:r>
-              <a:rPr lang="en-US" altLang="ko-KR" sz="2200" b="1">
-                <a:latin typeface="KoPubWorld돋움체 Light"/>
-                <a:ea typeface="KoPubWorld돋움체 Light"/>
-                <a:cs typeface="KoPubWorld돋움체 Light"/>
-              </a:rPr>
-              <a:t>2.</a:t>
-            </a:r>
-            <a:r>
-              <a:rPr lang="ko-KR" altLang="en-US" sz="2200" b="1">
-                <a:latin typeface="KoPubWorld돋움체 Light"/>
-                <a:ea typeface="KoPubWorld돋움체 Light"/>
-                <a:cs typeface="KoPubWorld돋움체 Light"/>
-              </a:rPr>
-              <a:t> </a:t>
-            </a:r>
-            <a:r>
-              <a:rPr lang="en-US" altLang="ko-KR" sz="2200" b="1">
-                <a:latin typeface="KoPubWorld돋움체 Light"/>
-                <a:ea typeface="KoPubWorld돋움체 Light"/>
-                <a:cs typeface="KoPubWorld돋움체 Light"/>
-              </a:rPr>
-              <a:t>Trouble-Shooting</a:t>
-            </a:r>
-            <a:endParaRPr lang="en-US" altLang="ko-KR" sz="2200" b="1">
               <a:latin typeface="KoPubWorld돋움체 Light"/>
               <a:ea typeface="KoPubWorld돋움체 Light"/>
               <a:cs typeface="KoPubWorld돋움체 Light"/>
@@ -4144,117 +4657,55 @@
           <a:chExt cx="0" cy="0"/>
         </a:xfrm>
       </p:grpSpPr>
-      <p:grpSp>
-        <p:nvGrpSpPr>
-          <p:cNvPr id="2" name="그룹 1"/>
-          <p:cNvGrpSpPr/>
+      <p:sp>
+        <p:nvSpPr>
+          <p:cNvPr id="13" name="TextBox 12"/>
+          <p:cNvSpPr txBox="1"/>
           <p:nvPr/>
-        </p:nvGrpSpPr>
-        <p:grpSpPr>
-          <a:xfrm rot="0">
-            <a:off x="281939" y="85117"/>
-            <a:ext cx="10801351" cy="408278"/>
-            <a:chOff x="281939" y="85117"/>
-            <a:chExt cx="10801351" cy="408278"/>
-          </a:xfrm>
-        </p:grpSpPr>
-        <p:sp>
-          <p:nvSpPr>
-            <p:cNvPr id="13" name="TextBox 12"/>
-            <p:cNvSpPr txBox="1"/>
-            <p:nvPr/>
-          </p:nvSpPr>
-          <p:spPr>
-            <a:xfrm>
-              <a:off x="281939" y="101138"/>
-              <a:ext cx="2924176" cy="392257"/>
-            </a:xfrm>
-            <a:prstGeom prst="rect">
-              <a:avLst/>
-            </a:prstGeom>
-            <a:noFill/>
-          </p:spPr>
-          <p:txBody>
-            <a:bodyPr wrap="none">
-              <a:spAutoFit/>
-            </a:bodyPr>
-            <a:lstStyle/>
-            <a:p>
-              <a:pPr lvl="0">
-                <a:defRPr/>
-              </a:pPr>
-              <a:r>
-                <a:rPr lang="en-US" altLang="ko-KR" sz="2000" b="1">
-                  <a:latin typeface="KoPubWorld돋움체 Bold"/>
-                  <a:ea typeface="KoPubWorld돋움체 Bold"/>
-                  <a:cs typeface="KoPubWorld돋움체 Bold"/>
-                </a:rPr>
-                <a:t>1.</a:t>
-              </a:r>
-              <a:r>
-                <a:rPr lang="ko-KR" altLang="en-US" sz="2000" b="1">
-                  <a:latin typeface="KoPubWorld돋움체 Bold"/>
-                  <a:ea typeface="KoPubWorld돋움체 Bold"/>
-                  <a:cs typeface="KoPubWorld돋움체 Bold"/>
-                </a:rPr>
-                <a:t> 프로젝트 소개 및 시연</a:t>
-              </a:r>
-              <a:endParaRPr lang="ko-KR" altLang="en-US" sz="2000" b="1">
+        </p:nvSpPr>
+        <p:spPr>
+          <a:xfrm>
+            <a:off x="281938" y="101138"/>
+            <a:ext cx="1704977" cy="392257"/>
+          </a:xfrm>
+          <a:prstGeom prst="rect">
+            <a:avLst/>
+          </a:prstGeom>
+          <a:noFill/>
+        </p:spPr>
+        <p:txBody>
+          <a:bodyPr wrap="none">
+            <a:spAutoFit/>
+          </a:bodyPr>
+          <a:lstStyle/>
+          <a:p>
+            <a:pPr lvl="0">
+              <a:defRPr/>
+            </a:pPr>
+            <a:r>
+              <a:rPr lang="en-US" altLang="ko-KR" sz="2000" b="1">
                 <a:latin typeface="KoPubWorld돋움체 Bold"/>
                 <a:ea typeface="KoPubWorld돋움체 Bold"/>
                 <a:cs typeface="KoPubWorld돋움체 Bold"/>
-              </a:endParaRPr>
-            </a:p>
-          </p:txBody>
-        </p:sp>
-        <p:sp>
-          <p:nvSpPr>
-            <p:cNvPr id="14" name="TextBox 13"/>
-            <p:cNvSpPr txBox="1"/>
-            <p:nvPr/>
-          </p:nvSpPr>
-          <p:spPr>
-            <a:xfrm>
-              <a:off x="9450648" y="85117"/>
-              <a:ext cx="1632642" cy="369332"/>
-            </a:xfrm>
-            <a:prstGeom prst="rect">
-              <a:avLst/>
-            </a:prstGeom>
-            <a:noFill/>
-          </p:spPr>
-          <p:txBody>
-            <a:bodyPr wrap="none">
-              <a:spAutoFit/>
-            </a:bodyPr>
-            <a:lstStyle/>
-            <a:p>
-              <a:pPr lvl="0">
-                <a:defRPr/>
-              </a:pPr>
-              <a:r>
-                <a:rPr lang="en-US" altLang="ko-KR">
-                  <a:solidFill>
-                    <a:schemeClr val="bg1"/>
-                  </a:solidFill>
-                  <a:latin typeface="KoPubWorld돋움체 Bold"/>
-                  <a:ea typeface="KoPubWorld돋움체 Bold"/>
-                  <a:cs typeface="KoPubWorld돋움체 Bold"/>
-                </a:rPr>
-                <a:t>Error_Logging</a:t>
-              </a:r>
-              <a:endParaRPr lang="en-US" altLang="ko-KR">
-                <a:solidFill>
-                  <a:schemeClr val="bg1"/>
-                </a:solidFill>
+              </a:rPr>
+              <a:t>1.</a:t>
+            </a:r>
+            <a:r>
+              <a:rPr lang="ko-KR" altLang="en-US" sz="2000" b="1">
                 <a:latin typeface="KoPubWorld돋움체 Bold"/>
                 <a:ea typeface="KoPubWorld돋움체 Bold"/>
                 <a:cs typeface="KoPubWorld돋움체 Bold"/>
-              </a:endParaRPr>
-            </a:p>
-          </p:txBody>
-        </p:sp>
-      </p:grpSp>
+              </a:rPr>
+              <a:t> 디자인패턴</a:t>
+            </a:r>
+            <a:endParaRPr lang="ko-KR" altLang="en-US" sz="2000" b="1">
+              <a:latin typeface="KoPubWorld돋움체 Bold"/>
+              <a:ea typeface="KoPubWorld돋움체 Bold"/>
+              <a:cs typeface="KoPubWorld돋움체 Bold"/>
+            </a:endParaRPr>
+          </a:p>
+        </p:txBody>
+      </p:sp>
       <p:sp>
         <p:nvSpPr>
           <p:cNvPr id="16" name="직사각형 15"/>
@@ -4285,7 +4736,7 @@
                 <a:ea typeface="KoPubWorld돋움체 Bold"/>
                 <a:cs typeface="KoPubWorld돋움체 Bold"/>
               </a:rPr>
-              <a:t>프로젝트 소개 및 시연</a:t>
+              <a:t>디자인 패턴이란</a:t>
             </a:r>
             <a:endParaRPr lang="ko-KR" altLang="en-US" sz="3600" b="1">
               <a:latin typeface="KoPubWorld돋움체 Bold"/>
@@ -4303,8 +4754,8 @@
         </p:nvSpPr>
         <p:spPr>
           <a:xfrm>
-            <a:off x="594631" y="1959021"/>
-            <a:ext cx="9874925" cy="439374"/>
+            <a:off x="238646" y="1959020"/>
+            <a:ext cx="11327728" cy="3249250"/>
           </a:xfrm>
           <a:prstGeom prst="rect">
             <a:avLst/>
@@ -4319,8 +4770,28 @@
               <a:defRPr/>
             </a:pPr>
             <a:r>
+              <a:rPr lang="en-US" altLang="ko-KR" sz="2300"/>
+              <a:t>-</a:t>
+            </a:r>
+            <a:r>
               <a:rPr lang="ko-KR" altLang="en-US" sz="2300"/>
-              <a:t>코딩 진행하는 동안 발생했던 에러</a:t>
+              <a:t> 객체지향 소프트웨어 </a:t>
+            </a:r>
+            <a:r>
+              <a:rPr lang="en-US" altLang="ko-KR" sz="2300"/>
+              <a:t>‘</a:t>
+            </a:r>
+            <a:r>
+              <a:rPr lang="ko-KR" altLang="en-US" sz="2300"/>
+              <a:t>잘</a:t>
+            </a:r>
+            <a:r>
+              <a:rPr lang="en-US" altLang="ko-KR" sz="2300"/>
+              <a:t>’</a:t>
+            </a:r>
+            <a:r>
+              <a:rPr lang="ko-KR" altLang="en-US" sz="2300"/>
+              <a:t> 설계하기 위한 일은 쉽지 않고</a:t>
             </a:r>
             <a:r>
               <a:rPr lang="en-US" altLang="ko-KR" sz="2300"/>
@@ -4328,105 +4799,104 @@
             </a:r>
             <a:r>
               <a:rPr lang="ko-KR" altLang="en-US" sz="2300"/>
-              <a:t>해결방법 공유하는 사이트   </a:t>
-            </a:r>
-            <a:endParaRPr lang="ko-KR" altLang="en-US" sz="2300"/>
-          </a:p>
-        </p:txBody>
-      </p:sp>
-      <p:sp>
-        <p:nvSpPr>
-          <p:cNvPr id="43" name=""/>
-          <p:cNvSpPr/>
-          <p:nvPr/>
-        </p:nvSpPr>
-        <p:spPr>
-          <a:xfrm>
-            <a:off x="5153122" y="3985491"/>
-            <a:ext cx="1183408" cy="1048711"/>
-          </a:xfrm>
-          <a:prstGeom prst="rightArrow">
-            <a:avLst>
-              <a:gd name="adj1" fmla="val 50000"/>
-              <a:gd name="adj2" fmla="val 50000"/>
-            </a:avLst>
-          </a:prstGeom>
-        </p:spPr>
-        <p:style>
-          <a:lnRef idx="2">
-            <a:schemeClr val="accent1">
-              <a:shade val="20000"/>
-            </a:schemeClr>
-          </a:lnRef>
-          <a:fillRef idx="1">
-            <a:schemeClr val="accent1"/>
-          </a:fillRef>
-          <a:effectRef idx="0">
-            <a:schemeClr val="accent1"/>
-          </a:effectRef>
-          <a:fontRef idx="minor">
-            <a:schemeClr val="lt1"/>
-          </a:fontRef>
-        </p:style>
-        <p:txBody>
-          <a:bodyPr anchor="ctr"/>
-          <a:lstStyle/>
-          <a:p>
-            <a:pPr algn="ctr">
-              <a:defRPr/>
-            </a:pPr>
-            <a:endParaRPr lang="ko-KR" altLang="en-US"/>
-          </a:p>
-        </p:txBody>
-      </p:sp>
-      <p:pic>
-        <p:nvPicPr>
-          <p:cNvPr id="44" name=""/>
-          <p:cNvPicPr>
-            <a:picLocks noChangeAspect="1"/>
-          </p:cNvPicPr>
-          <p:nvPr/>
-        </p:nvPicPr>
-        <p:blipFill rotWithShape="1">
-          <a:blip r:embed="rId2"/>
-          <a:stretch>
-            <a:fillRect/>
-          </a:stretch>
-        </p:blipFill>
-        <p:spPr>
-          <a:xfrm>
-            <a:off x="7171742" y="3429000"/>
-            <a:ext cx="2456051" cy="2326101"/>
-          </a:xfrm>
-          <a:prstGeom prst="rect">
-            <a:avLst/>
-          </a:prstGeom>
-        </p:spPr>
-      </p:pic>
-      <p:pic>
-        <p:nvPicPr>
-          <p:cNvPr id="45" name=""/>
-          <p:cNvPicPr>
-            <a:picLocks noChangeAspect="1"/>
-          </p:cNvPicPr>
-          <p:nvPr/>
-        </p:nvPicPr>
-        <p:blipFill rotWithShape="1">
-          <a:blip r:embed="rId3"/>
-          <a:stretch>
-            <a:fillRect/>
-          </a:stretch>
-        </p:blipFill>
-        <p:spPr>
-          <a:xfrm>
-            <a:off x="1342004" y="3585017"/>
-            <a:ext cx="3021311" cy="1920086"/>
-          </a:xfrm>
-          <a:prstGeom prst="rect">
-            <a:avLst/>
-          </a:prstGeom>
-        </p:spPr>
-      </p:pic>
+              <a:t> 재사용</a:t>
+            </a:r>
+            <a:r>
+              <a:rPr lang="en-US" altLang="ko-KR" sz="2300"/>
+              <a:t>(</a:t>
+            </a:r>
+            <a:r>
+              <a:rPr lang="ko-KR" altLang="en-US" sz="2300"/>
+              <a:t>유지보수</a:t>
+            </a:r>
+            <a:r>
+              <a:rPr lang="en-US" altLang="ko-KR" sz="2300"/>
+              <a:t>)</a:t>
+            </a:r>
+            <a:r>
+              <a:rPr lang="ko-KR" altLang="en-US" sz="2300"/>
+              <a:t>이 용이한 객체지향 소프트웨어를 개발하는것 또한 쉽지 않다</a:t>
+            </a:r>
+            <a:r>
+              <a:rPr lang="en-US" altLang="ko-KR" sz="2300"/>
+              <a:t>.</a:t>
+            </a:r>
+            <a:endParaRPr lang="en-US" altLang="ko-KR" sz="2300"/>
+          </a:p>
+          <a:p>
+            <a:pPr>
+              <a:defRPr/>
+            </a:pPr>
+            <a:endParaRPr lang="en-US" altLang="ko-KR" sz="2300"/>
+          </a:p>
+          <a:p>
+            <a:pPr>
+              <a:defRPr/>
+            </a:pPr>
+            <a:r>
+              <a:rPr lang="en-US" altLang="ko-KR" sz="2300"/>
+              <a:t>-</a:t>
+            </a:r>
+            <a:r>
+              <a:rPr lang="ko-KR" altLang="en-US" sz="2300"/>
+              <a:t> 위와 같은 것들을 잘하기 위해 경험을 토대로 좋은 설계를 패턴화하여 보편적으로 사용되는 것이 디자인 패턴이다</a:t>
+            </a:r>
+            <a:r>
+              <a:rPr lang="en-US" altLang="ko-KR" sz="2300"/>
+              <a:t>.</a:t>
+            </a:r>
+            <a:endParaRPr lang="en-US" altLang="ko-KR" sz="2300"/>
+          </a:p>
+          <a:p>
+            <a:pPr>
+              <a:defRPr/>
+            </a:pPr>
+            <a:endParaRPr lang="en-US" altLang="ko-KR" sz="2300"/>
+          </a:p>
+          <a:p>
+            <a:pPr>
+              <a:defRPr/>
+            </a:pPr>
+            <a:r>
+              <a:rPr lang="en-US" altLang="ko-KR" sz="2300"/>
+              <a:t>-</a:t>
+            </a:r>
+            <a:r>
+              <a:rPr lang="ko-KR" altLang="en-US" sz="2300"/>
+              <a:t>디자인 패턴은 어떤 라이브러리나 프레임워크가 아닌</a:t>
+            </a:r>
+            <a:r>
+              <a:rPr lang="en-US" altLang="ko-KR" sz="2300"/>
+              <a:t>,</a:t>
+            </a:r>
+            <a:r>
+              <a:rPr lang="ko-KR" altLang="en-US" sz="2300"/>
+              <a:t> 그 보다 더 상위 개념으로</a:t>
+            </a:r>
+            <a:r>
+              <a:rPr lang="en-US" altLang="ko-KR" sz="2300"/>
+              <a:t>,</a:t>
+            </a:r>
+            <a:r>
+              <a:rPr lang="ko-KR" altLang="en-US" sz="2300"/>
+              <a:t> 디자인 패턴을 알고 있다면</a:t>
+            </a:r>
+            <a:r>
+              <a:rPr lang="en-US" altLang="ko-KR" sz="2300"/>
+              <a:t>,</a:t>
+            </a:r>
+            <a:r>
+              <a:rPr lang="ko-KR" altLang="en-US" sz="2300"/>
+              <a:t> 라이브러리 혹은 프레임워크에 사용된 코드를 이해하는데 도움이 될 것으로 생각한다</a:t>
+            </a:r>
+            <a:r>
+              <a:rPr lang="en-US" altLang="ko-KR" sz="2300"/>
+              <a:t>.</a:t>
+            </a:r>
+            <a:endParaRPr lang="en-US" altLang="ko-KR" sz="2300"/>
+          </a:p>
+        </p:txBody>
+      </p:sp>
     </p:spTree>
   </p:cSld>
   <p:clrMapOvr>
@@ -4446,6 +4916,13 @@
 <file path=ppt/slides/slide4.xml><?xml version="1.0" encoding="utf-8"?>
 <p:sld xmlns:r="http://schemas.openxmlformats.org/officeDocument/2006/relationships" xmlns:c="http://schemas.openxmlformats.org/drawingml/2006/chart" xmlns:a="http://schemas.openxmlformats.org/drawingml/2006/main" xmlns:dgm="http://schemas.openxmlformats.org/drawingml/2006/diagram" xmlns:dsp="http://schemas.microsoft.com/office/drawing/2008/diagram" xmlns:p="http://schemas.openxmlformats.org/presentationml/2006/main">
   <p:cSld>
+    <p:bg>
+      <p:bgPr shadeToTitle="0">
+        <a:solidFill>
+          <a:schemeClr val="lt1"/>
+        </a:solidFill>
+      </p:bgPr>
+    </p:bg>
     <p:spTree>
       <p:nvGrpSpPr>
         <p:cNvPr id="1" name=""/>
@@ -4460,166 +4937,48 @@
           <a:chExt cx="0" cy="0"/>
         </a:xfrm>
       </p:grpSpPr>
-      <p:grpSp>
-        <p:nvGrpSpPr>
-          <p:cNvPr id="2" name="그룹 1"/>
-          <p:cNvGrpSpPr/>
+      <p:sp>
+        <p:nvSpPr>
+          <p:cNvPr id="13" name="TextBox 12"/>
+          <p:cNvSpPr txBox="1"/>
           <p:nvPr/>
-        </p:nvGrpSpPr>
-        <p:grpSpPr>
-          <a:xfrm rot="0">
-            <a:off x="281939" y="85117"/>
-            <a:ext cx="10801351" cy="408278"/>
-            <a:chOff x="281939" y="85117"/>
-            <a:chExt cx="10801351" cy="408278"/>
-          </a:xfrm>
-        </p:grpSpPr>
-        <p:sp>
-          <p:nvSpPr>
-            <p:cNvPr id="13" name="TextBox 12"/>
-            <p:cNvSpPr txBox="1"/>
-            <p:nvPr/>
-          </p:nvSpPr>
-          <p:spPr>
-            <a:xfrm>
-              <a:off x="281939" y="101138"/>
-              <a:ext cx="2571751" cy="392257"/>
-            </a:xfrm>
-            <a:prstGeom prst="rect">
-              <a:avLst/>
-            </a:prstGeom>
-            <a:noFill/>
-          </p:spPr>
-          <p:txBody>
-            <a:bodyPr wrap="none">
-              <a:spAutoFit/>
-            </a:bodyPr>
-            <a:lstStyle/>
-            <a:p>
-              <a:pPr lvl="0">
-                <a:defRPr/>
-              </a:pPr>
-              <a:r>
-                <a:rPr lang="en-US" altLang="ko-KR" sz="2000" b="1">
-                  <a:latin typeface="KoPubWorld돋움체 Bold"/>
-                  <a:ea typeface="KoPubWorld돋움체 Bold"/>
-                  <a:cs typeface="KoPubWorld돋움체 Bold"/>
-                </a:rPr>
-                <a:t>2.</a:t>
-              </a:r>
-              <a:r>
-                <a:rPr lang="ko-KR" altLang="en-US" sz="2000" b="1">
-                  <a:latin typeface="KoPubWorld돋움체 Bold"/>
-                  <a:ea typeface="KoPubWorld돋움체 Bold"/>
-                  <a:cs typeface="KoPubWorld돋움체 Bold"/>
-                </a:rPr>
-                <a:t> </a:t>
-              </a:r>
-              <a:r>
-                <a:rPr lang="en-US" altLang="ko-KR" sz="2000" b="1">
-                  <a:latin typeface="KoPubWorld돋움체 Bold"/>
-                  <a:ea typeface="KoPubWorld돋움체 Bold"/>
-                  <a:cs typeface="KoPubWorld돋움체 Bold"/>
-                </a:rPr>
-                <a:t>Trouble-Shooting</a:t>
-              </a:r>
-              <a:endParaRPr lang="en-US" altLang="ko-KR" sz="2000" b="1">
-                <a:latin typeface="KoPubWorld돋움체 Bold"/>
-                <a:ea typeface="KoPubWorld돋움체 Bold"/>
-                <a:cs typeface="KoPubWorld돋움체 Bold"/>
-              </a:endParaRPr>
-            </a:p>
-          </p:txBody>
-        </p:sp>
-        <p:sp>
-          <p:nvSpPr>
-            <p:cNvPr id="14" name="TextBox 13"/>
-            <p:cNvSpPr txBox="1"/>
-            <p:nvPr/>
-          </p:nvSpPr>
-          <p:spPr>
-            <a:xfrm>
-              <a:off x="9450648" y="85117"/>
-              <a:ext cx="1632642" cy="369332"/>
-            </a:xfrm>
-            <a:prstGeom prst="rect">
-              <a:avLst/>
-            </a:prstGeom>
-            <a:noFill/>
-          </p:spPr>
-          <p:txBody>
-            <a:bodyPr wrap="none">
-              <a:spAutoFit/>
-            </a:bodyPr>
-            <a:lstStyle/>
-            <a:p>
-              <a:pPr lvl="0">
-                <a:defRPr/>
-              </a:pPr>
-              <a:r>
-                <a:rPr lang="en-US" altLang="ko-KR">
-                  <a:solidFill>
-                    <a:schemeClr val="bg1"/>
-                  </a:solidFill>
-                  <a:latin typeface="KoPubWorld돋움체 Bold"/>
-                  <a:ea typeface="KoPubWorld돋움체 Bold"/>
-                  <a:cs typeface="KoPubWorld돋움체 Bold"/>
-                </a:rPr>
-                <a:t>Error_Logging</a:t>
-              </a:r>
-              <a:endParaRPr lang="en-US" altLang="ko-KR">
-                <a:solidFill>
-                  <a:schemeClr val="bg1"/>
-                </a:solidFill>
-                <a:latin typeface="KoPubWorld돋움체 Bold"/>
-                <a:ea typeface="KoPubWorld돋움체 Bold"/>
-                <a:cs typeface="KoPubWorld돋움체 Bold"/>
-              </a:endParaRPr>
-            </a:p>
-          </p:txBody>
-        </p:sp>
-      </p:grpSp>
-      <p:sp>
-        <p:nvSpPr>
-          <p:cNvPr id="35" name="직사각형 15"/>
-          <p:cNvSpPr/>
-          <p:nvPr/>
-        </p:nvSpPr>
-        <p:spPr>
-          <a:xfrm>
-            <a:off x="200246" y="614240"/>
-            <a:ext cx="6778956" cy="641155"/>
+        </p:nvSpPr>
+        <p:spPr>
+          <a:xfrm>
+            <a:off x="281938" y="101138"/>
+            <a:ext cx="1704977" cy="392257"/>
           </a:xfrm>
           <a:prstGeom prst="rect">
             <a:avLst/>
           </a:prstGeom>
-        </p:spPr>
-        <p:txBody>
-          <a:bodyPr wrap="square">
+          <a:noFill/>
+        </p:spPr>
+        <p:txBody>
+          <a:bodyPr wrap="none">
             <a:spAutoFit/>
           </a:bodyPr>
           <a:lstStyle/>
           <a:p>
-            <a:pPr>
-              <a:defRPr/>
-            </a:pPr>
-            <a:r>
-              <a:rPr lang="en-US" altLang="ko-KR" sz="3600" b="1">
+            <a:pPr lvl="0">
+              <a:defRPr/>
+            </a:pPr>
+            <a:r>
+              <a:rPr lang="en-US" altLang="ko-KR" sz="2000" b="1">
                 <a:latin typeface="KoPubWorld돋움체 Bold"/>
                 <a:ea typeface="KoPubWorld돋움체 Bold"/>
                 <a:cs typeface="KoPubWorld돋움체 Bold"/>
               </a:rPr>
-              <a:t>Trouble-shooting</a:t>
-            </a:r>
-            <a:r>
-              <a:rPr lang="ko-KR" altLang="en-US" sz="3600" b="1">
+              <a:t>1.</a:t>
+            </a:r>
+            <a:r>
+              <a:rPr lang="ko-KR" altLang="en-US" sz="2000" b="1">
                 <a:latin typeface="KoPubWorld돋움체 Bold"/>
                 <a:ea typeface="KoPubWorld돋움체 Bold"/>
                 <a:cs typeface="KoPubWorld돋움체 Bold"/>
               </a:rPr>
-              <a:t> </a:t>
-            </a:r>
-            <a:endParaRPr lang="ko-KR" altLang="en-US" sz="3600" b="1">
+              <a:t> 디자인패턴</a:t>
+            </a:r>
+            <a:endParaRPr lang="ko-KR" altLang="en-US" sz="2000" b="1">
               <a:latin typeface="KoPubWorld돋움체 Bold"/>
               <a:ea typeface="KoPubWorld돋움체 Bold"/>
               <a:cs typeface="KoPubWorld돋움체 Bold"/>
@@ -4627,95 +4986,9 @@
           </a:p>
         </p:txBody>
       </p:sp>
-      <p:sp>
-        <p:nvSpPr>
-          <p:cNvPr id="66" name=""/>
-          <p:cNvSpPr txBox="1"/>
-          <p:nvPr/>
-        </p:nvSpPr>
-        <p:spPr>
-          <a:xfrm>
-            <a:off x="355404" y="1301172"/>
-            <a:ext cx="9736670" cy="640023"/>
-          </a:xfrm>
-          <a:prstGeom prst="rect">
-            <a:avLst/>
-          </a:prstGeom>
-        </p:spPr>
-        <p:txBody>
-          <a:bodyPr wrap="square">
-            <a:spAutoFit/>
-          </a:bodyPr>
-          <a:lstStyle/>
-          <a:p>
-            <a:pPr>
-              <a:defRPr/>
-            </a:pPr>
-            <a:r>
-              <a:rPr lang="en-US" altLang="ko-KR"/>
-              <a:t>1. </a:t>
-            </a:r>
-            <a:r>
-              <a:rPr lang="ko-KR" altLang="en-US"/>
-              <a:t>깃허브 협업시 </a:t>
-            </a:r>
-            <a:r>
-              <a:rPr lang="en-US" altLang="ko-KR"/>
-              <a:t>Conflict</a:t>
-            </a:r>
-            <a:r>
-              <a:rPr lang="ko-KR" altLang="en-US"/>
-              <a:t>를 줄이기 위한 고민</a:t>
-            </a:r>
-            <a:endParaRPr lang="ko-KR" altLang="en-US"/>
-          </a:p>
-          <a:p>
-            <a:pPr>
-              <a:defRPr/>
-            </a:pPr>
-            <a:r>
-              <a:rPr lang="ko-KR" altLang="en-US"/>
-              <a:t>    </a:t>
-            </a:r>
-            <a:r>
-              <a:rPr lang="en-US" altLang="ko-KR"/>
-              <a:t>-Flask</a:t>
-            </a:r>
-            <a:r>
-              <a:rPr lang="ko-KR" altLang="en-US"/>
-              <a:t>에 내장된 </a:t>
-            </a:r>
-            <a:r>
-              <a:rPr lang="en-US" altLang="ko-KR"/>
-              <a:t>Blueprint</a:t>
-            </a:r>
-            <a:r>
-              <a:rPr lang="ko-KR" altLang="en-US"/>
-              <a:t> 라이브러리 활용 </a:t>
-            </a:r>
-            <a:r>
-              <a:rPr lang="en-US" altLang="ko-KR"/>
-              <a:t>/</a:t>
-            </a:r>
-            <a:r>
-              <a:rPr lang="ko-KR" altLang="en-US"/>
-              <a:t> </a:t>
-            </a:r>
-            <a:r>
-              <a:rPr lang="en-US" altLang="ko-KR"/>
-              <a:t>API</a:t>
-            </a:r>
-            <a:r>
-              <a:rPr lang="ko-KR" altLang="en-US"/>
-              <a:t> 기능별로 파일분리해서 코드작성</a:t>
-            </a:r>
-            <a:endParaRPr lang="ko-KR" altLang="en-US"/>
-          </a:p>
-        </p:txBody>
-      </p:sp>
       <p:pic>
         <p:nvPicPr>
-          <p:cNvPr id="67" name=""/>
+          <p:cNvPr id="46" name=""/>
           <p:cNvPicPr>
             <a:picLocks noChangeAspect="1"/>
           </p:cNvPicPr>
@@ -4729,56 +5002,35 @@
         </p:blipFill>
         <p:spPr>
           <a:xfrm>
-            <a:off x="355811" y="2602122"/>
-            <a:ext cx="5749714" cy="4029041"/>
+            <a:off x="839276" y="1072919"/>
+            <a:ext cx="9753370" cy="5216134"/>
           </a:xfrm>
           <a:prstGeom prst="rect">
             <a:avLst/>
           </a:prstGeom>
         </p:spPr>
       </p:pic>
-      <p:pic>
-        <p:nvPicPr>
-          <p:cNvPr id="68" name=""/>
-          <p:cNvPicPr>
-            <a:picLocks noChangeAspect="1"/>
-          </p:cNvPicPr>
-          <p:nvPr/>
-        </p:nvPicPr>
-        <p:blipFill rotWithShape="1">
-          <a:blip r:embed="rId3"/>
-          <a:stretch>
-            <a:fillRect/>
-          </a:stretch>
-        </p:blipFill>
-        <p:spPr>
-          <a:xfrm>
-            <a:off x="6564228" y="2608425"/>
-            <a:ext cx="3777938" cy="2814935"/>
-          </a:xfrm>
-          <a:prstGeom prst="rect">
-            <a:avLst/>
-          </a:prstGeom>
-        </p:spPr>
-      </p:pic>
-      <p:sp>
-        <p:nvSpPr>
-          <p:cNvPr id="69" name=""/>
+      <p:sp>
+        <p:nvSpPr>
+          <p:cNvPr id="47" name=""/>
           <p:cNvSpPr/>
           <p:nvPr/>
         </p:nvSpPr>
         <p:spPr>
           <a:xfrm>
-            <a:off x="794914" y="4596495"/>
-            <a:ext cx="2703259" cy="1254666"/>
-          </a:xfrm>
-          <a:prstGeom prst="rect">
-            <a:avLst/>
+            <a:off x="8400281" y="5160818"/>
+            <a:ext cx="1318105" cy="461818"/>
+          </a:xfrm>
+          <a:prstGeom prst="round2DiagRect">
+            <a:avLst>
+              <a:gd name="adj1" fmla="val 16667"/>
+              <a:gd name="adj2" fmla="val 0"/>
+            </a:avLst>
           </a:prstGeom>
           <a:noFill/>
           <a:ln w="50800">
             <a:solidFill>
-              <a:srgbClr val="ff0000"/>
+              <a:schemeClr val="accent1"/>
             </a:solidFill>
           </a:ln>
         </p:spPr>
@@ -4800,114 +5052,10 @@
         </p:style>
         <p:txBody>
           <a:bodyPr anchor="ctr"/>
-          <a:lstStyle/>
           <a:p>
             <a:pPr algn="ctr">
               <a:defRPr/>
             </a:pPr>
-            <a:endParaRPr lang="ko-KR" altLang="en-US"/>
-          </a:p>
-        </p:txBody>
-      </p:sp>
-      <p:sp>
-        <p:nvSpPr>
-          <p:cNvPr id="72" name=""/>
-          <p:cNvSpPr/>
-          <p:nvPr/>
-        </p:nvSpPr>
-        <p:spPr>
-          <a:xfrm>
-            <a:off x="366567" y="2082030"/>
-            <a:ext cx="1693333" cy="461818"/>
-          </a:xfrm>
-          <a:prstGeom prst="rect">
-            <a:avLst/>
-          </a:prstGeom>
-        </p:spPr>
-        <p:style>
-          <a:lnRef idx="2">
-            <a:schemeClr val="accent1">
-              <a:shade val="20000"/>
-            </a:schemeClr>
-          </a:lnRef>
-          <a:fillRef idx="1">
-            <a:schemeClr val="accent1"/>
-          </a:fillRef>
-          <a:effectRef idx="0">
-            <a:schemeClr val="accent1"/>
-          </a:effectRef>
-          <a:fontRef idx="minor">
-            <a:schemeClr val="lt1"/>
-          </a:fontRef>
-        </p:style>
-        <p:txBody>
-          <a:bodyPr anchor="ctr"/>
-          <a:p>
-            <a:pPr algn="ctr">
-              <a:defRPr/>
-            </a:pPr>
-            <a:r>
-              <a:rPr lang="en-US" altLang="ko-KR"/>
-              <a:t>app.py </a:t>
-            </a:r>
-            <a:r>
-              <a:rPr lang="ko-KR" altLang="en-US"/>
-              <a:t>파일</a:t>
-            </a:r>
-            <a:endParaRPr lang="ko-KR" altLang="en-US"/>
-          </a:p>
-        </p:txBody>
-      </p:sp>
-      <p:sp>
-        <p:nvSpPr>
-          <p:cNvPr id="73" name=""/>
-          <p:cNvSpPr/>
-          <p:nvPr/>
-        </p:nvSpPr>
-        <p:spPr>
-          <a:xfrm>
-            <a:off x="6532322" y="2032288"/>
-            <a:ext cx="2520756" cy="461818"/>
-          </a:xfrm>
-          <a:prstGeom prst="rect">
-            <a:avLst/>
-          </a:prstGeom>
-        </p:spPr>
-        <p:style>
-          <a:lnRef idx="2">
-            <a:schemeClr val="accent1">
-              <a:shade val="20000"/>
-            </a:schemeClr>
-          </a:lnRef>
-          <a:fillRef idx="1">
-            <a:schemeClr val="accent1"/>
-          </a:fillRef>
-          <a:effectRef idx="0">
-            <a:schemeClr val="accent1"/>
-          </a:effectRef>
-          <a:fontRef idx="minor">
-            <a:schemeClr val="lt1"/>
-          </a:fontRef>
-        </p:style>
-        <p:txBody>
-          <a:bodyPr anchor="ctr"/>
-          <a:lstStyle/>
-          <a:p>
-            <a:pPr algn="ctr">
-              <a:defRPr/>
-            </a:pPr>
-            <a:r>
-              <a:rPr lang="ko-KR" altLang="en-US"/>
-              <a:t>분리 된</a:t>
-            </a:r>
-            <a:r>
-              <a:rPr lang="en-US" altLang="ko-KR"/>
-              <a:t> .py </a:t>
-            </a:r>
-            <a:r>
-              <a:rPr lang="ko-KR" altLang="en-US"/>
-              <a:t>파일들</a:t>
-            </a:r>
             <a:endParaRPr lang="ko-KR" altLang="en-US"/>
           </a:p>
         </p:txBody>
@@ -4945,285 +5093,9 @@
           <a:chExt cx="0" cy="0"/>
         </a:xfrm>
       </p:grpSpPr>
-      <p:grpSp>
-        <p:nvGrpSpPr>
-          <p:cNvPr id="2" name="그룹 1"/>
-          <p:cNvGrpSpPr/>
-          <p:nvPr/>
-        </p:nvGrpSpPr>
-        <p:grpSpPr>
-          <a:xfrm rot="0">
-            <a:off x="281939" y="85117"/>
-            <a:ext cx="10801351" cy="408278"/>
-            <a:chOff x="281939" y="85117"/>
-            <a:chExt cx="10801351" cy="408278"/>
-          </a:xfrm>
-        </p:grpSpPr>
-        <p:sp>
-          <p:nvSpPr>
-            <p:cNvPr id="13" name="TextBox 12"/>
-            <p:cNvSpPr txBox="1"/>
-            <p:nvPr/>
-          </p:nvSpPr>
-          <p:spPr>
-            <a:xfrm>
-              <a:off x="281939" y="101138"/>
-              <a:ext cx="2571751" cy="392257"/>
-            </a:xfrm>
-            <a:prstGeom prst="rect">
-              <a:avLst/>
-            </a:prstGeom>
-            <a:noFill/>
-          </p:spPr>
-          <p:txBody>
-            <a:bodyPr wrap="none">
-              <a:spAutoFit/>
-            </a:bodyPr>
-            <a:lstStyle/>
-            <a:p>
-              <a:pPr lvl="0">
-                <a:defRPr/>
-              </a:pPr>
-              <a:r>
-                <a:rPr lang="en-US" altLang="ko-KR" sz="2000" b="1">
-                  <a:latin typeface="KoPubWorld돋움체 Bold"/>
-                  <a:ea typeface="KoPubWorld돋움체 Bold"/>
-                  <a:cs typeface="KoPubWorld돋움체 Bold"/>
-                </a:rPr>
-                <a:t>2.</a:t>
-              </a:r>
-              <a:r>
-                <a:rPr lang="ko-KR" altLang="en-US" sz="2000" b="1">
-                  <a:latin typeface="KoPubWorld돋움체 Bold"/>
-                  <a:ea typeface="KoPubWorld돋움체 Bold"/>
-                  <a:cs typeface="KoPubWorld돋움체 Bold"/>
-                </a:rPr>
-                <a:t> </a:t>
-              </a:r>
-              <a:r>
-                <a:rPr lang="en-US" altLang="ko-KR" sz="2000" b="1">
-                  <a:latin typeface="KoPubWorld돋움체 Bold"/>
-                  <a:ea typeface="KoPubWorld돋움체 Bold"/>
-                  <a:cs typeface="KoPubWorld돋움체 Bold"/>
-                </a:rPr>
-                <a:t>Trouble-Shooting</a:t>
-              </a:r>
-              <a:endParaRPr lang="en-US" altLang="ko-KR" sz="2000" b="1">
-                <a:latin typeface="KoPubWorld돋움체 Bold"/>
-                <a:ea typeface="KoPubWorld돋움체 Bold"/>
-                <a:cs typeface="KoPubWorld돋움체 Bold"/>
-              </a:endParaRPr>
-            </a:p>
-          </p:txBody>
-        </p:sp>
-        <p:sp>
-          <p:nvSpPr>
-            <p:cNvPr id="14" name="TextBox 13"/>
-            <p:cNvSpPr txBox="1"/>
-            <p:nvPr/>
-          </p:nvSpPr>
-          <p:spPr>
-            <a:xfrm>
-              <a:off x="9450648" y="85117"/>
-              <a:ext cx="1632642" cy="369332"/>
-            </a:xfrm>
-            <a:prstGeom prst="rect">
-              <a:avLst/>
-            </a:prstGeom>
-            <a:noFill/>
-          </p:spPr>
-          <p:txBody>
-            <a:bodyPr wrap="none">
-              <a:spAutoFit/>
-            </a:bodyPr>
-            <a:lstStyle/>
-            <a:p>
-              <a:pPr lvl="0">
-                <a:defRPr/>
-              </a:pPr>
-              <a:r>
-                <a:rPr lang="en-US" altLang="ko-KR">
-                  <a:solidFill>
-                    <a:schemeClr val="bg1"/>
-                  </a:solidFill>
-                  <a:latin typeface="KoPubWorld돋움체 Bold"/>
-                  <a:ea typeface="KoPubWorld돋움체 Bold"/>
-                  <a:cs typeface="KoPubWorld돋움체 Bold"/>
-                </a:rPr>
-                <a:t>Error_Logging</a:t>
-              </a:r>
-              <a:endParaRPr lang="en-US" altLang="ko-KR">
-                <a:solidFill>
-                  <a:schemeClr val="bg1"/>
-                </a:solidFill>
-                <a:latin typeface="KoPubWorld돋움체 Bold"/>
-                <a:ea typeface="KoPubWorld돋움체 Bold"/>
-                <a:cs typeface="KoPubWorld돋움체 Bold"/>
-              </a:endParaRPr>
-            </a:p>
-          </p:txBody>
-        </p:sp>
-      </p:grpSp>
-      <p:sp>
-        <p:nvSpPr>
-          <p:cNvPr id="35" name="직사각형 15"/>
-          <p:cNvSpPr/>
-          <p:nvPr/>
-        </p:nvSpPr>
-        <p:spPr>
-          <a:xfrm>
-            <a:off x="123276" y="633483"/>
-            <a:ext cx="6778956" cy="640962"/>
-          </a:xfrm>
-          <a:prstGeom prst="rect">
-            <a:avLst/>
-          </a:prstGeom>
-        </p:spPr>
-        <p:txBody>
-          <a:bodyPr wrap="square">
-            <a:spAutoFit/>
-          </a:bodyPr>
-          <a:lstStyle/>
-          <a:p>
-            <a:pPr>
-              <a:defRPr/>
-            </a:pPr>
-            <a:r>
-              <a:rPr lang="en-US" altLang="ko-KR" sz="3600" b="1">
-                <a:latin typeface="KoPubWorld돋움체 Bold"/>
-                <a:ea typeface="KoPubWorld돋움체 Bold"/>
-                <a:cs typeface="KoPubWorld돋움체 Bold"/>
-              </a:rPr>
-              <a:t>Trouble-shooting</a:t>
-            </a:r>
-            <a:r>
-              <a:rPr lang="ko-KR" altLang="en-US" sz="3600" b="1">
-                <a:latin typeface="KoPubWorld돋움체 Bold"/>
-                <a:ea typeface="KoPubWorld돋움체 Bold"/>
-                <a:cs typeface="KoPubWorld돋움체 Bold"/>
-              </a:rPr>
-              <a:t> </a:t>
-            </a:r>
-            <a:endParaRPr lang="ko-KR" altLang="en-US" sz="3600" b="1">
-              <a:latin typeface="KoPubWorld돋움체 Bold"/>
-              <a:ea typeface="KoPubWorld돋움체 Bold"/>
-              <a:cs typeface="KoPubWorld돋움체 Bold"/>
-            </a:endParaRPr>
-          </a:p>
-        </p:txBody>
-      </p:sp>
-      <p:sp>
-        <p:nvSpPr>
-          <p:cNvPr id="65" name=""/>
-          <p:cNvSpPr txBox="1"/>
-          <p:nvPr/>
-        </p:nvSpPr>
-        <p:spPr>
-          <a:xfrm>
-            <a:off x="443535" y="1293090"/>
-            <a:ext cx="9736669" cy="1181505"/>
-          </a:xfrm>
-          <a:prstGeom prst="rect">
-            <a:avLst/>
-          </a:prstGeom>
-        </p:spPr>
-        <p:txBody>
-          <a:bodyPr wrap="square">
-            <a:spAutoFit/>
-          </a:bodyPr>
-          <a:p>
-            <a:pPr>
-              <a:defRPr/>
-            </a:pPr>
-            <a:r>
-              <a:rPr lang="en-US" altLang="ko-KR"/>
-              <a:t>2. </a:t>
-            </a:r>
-            <a:r>
-              <a:rPr lang="ko-KR" altLang="en-US"/>
-              <a:t>이미지 업로드 및</a:t>
-            </a:r>
-            <a:r>
-              <a:rPr lang="en-US" altLang="ko-KR"/>
-              <a:t> DB</a:t>
-            </a:r>
-            <a:r>
-              <a:rPr lang="ko-KR" altLang="en-US"/>
-              <a:t> 처리 방식에 대한 고민 </a:t>
-            </a:r>
-            <a:endParaRPr lang="ko-KR" altLang="en-US"/>
-          </a:p>
-          <a:p>
-            <a:pPr>
-              <a:defRPr/>
-            </a:pPr>
-            <a:endParaRPr lang="ko-KR" altLang="en-US"/>
-          </a:p>
-          <a:p>
-            <a:pPr>
-              <a:defRPr/>
-            </a:pPr>
-            <a:r>
-              <a:rPr lang="ko-KR" altLang="en-US"/>
-              <a:t>  </a:t>
-            </a:r>
-            <a:r>
-              <a:rPr lang="en-US" altLang="ko-KR"/>
-              <a:t>-  1. DB</a:t>
-            </a:r>
-            <a:r>
-              <a:rPr lang="ko-KR" altLang="en-US"/>
-              <a:t>에 직접 이미지 저장</a:t>
-            </a:r>
-            <a:endParaRPr lang="ko-KR" altLang="en-US"/>
-          </a:p>
-          <a:p>
-            <a:pPr>
-              <a:defRPr/>
-            </a:pPr>
-            <a:r>
-              <a:rPr lang="ko-KR" altLang="en-US"/>
-              <a:t>  </a:t>
-            </a:r>
-            <a:r>
-              <a:rPr lang="en-US" altLang="ko-KR"/>
-              <a:t>-</a:t>
-            </a:r>
-            <a:r>
-              <a:rPr lang="ko-KR" altLang="en-US"/>
-              <a:t> </a:t>
-            </a:r>
-            <a:r>
-              <a:rPr lang="en-US" altLang="ko-KR"/>
-              <a:t> 2. </a:t>
-            </a:r>
-            <a:r>
-              <a:rPr lang="ko-KR" altLang="en-US"/>
-              <a:t>서버에 이미지 저장 후</a:t>
-            </a:r>
-            <a:r>
-              <a:rPr lang="en-US" altLang="ko-KR"/>
-              <a:t>,</a:t>
-            </a:r>
-            <a:r>
-              <a:rPr lang="ko-KR" altLang="en-US"/>
-              <a:t> </a:t>
-            </a:r>
-            <a:r>
-              <a:rPr lang="en-US" altLang="ko-KR"/>
-              <a:t>DB</a:t>
-            </a:r>
-            <a:r>
-              <a:rPr lang="ko-KR" altLang="en-US"/>
-              <a:t>에 이미지에 접근할 수 있는 경로 저장</a:t>
-            </a:r>
-            <a:endParaRPr lang="ko-KR" altLang="en-US"/>
-          </a:p>
-        </p:txBody>
-      </p:sp>
       <p:pic>
         <p:nvPicPr>
-          <p:cNvPr id="67" name=""/>
+          <p:cNvPr id="56" name=""/>
           <p:cNvPicPr>
             <a:picLocks noChangeAspect="1"/>
           </p:cNvPicPr>
@@ -5237,8 +5109,8 @@
         </p:blipFill>
         <p:spPr>
           <a:xfrm>
-            <a:off x="1288361" y="2674390"/>
-            <a:ext cx="2938348" cy="3602413"/>
+            <a:off x="356868" y="3914852"/>
+            <a:ext cx="2524619" cy="2659698"/>
           </a:xfrm>
           <a:prstGeom prst="rect">
             <a:avLst/>
@@ -5247,138 +5119,228 @@
       </p:pic>
       <p:sp>
         <p:nvSpPr>
-          <p:cNvPr id="68" name=""/>
+          <p:cNvPr id="13" name="TextBox 12"/>
           <p:cNvSpPr txBox="1"/>
           <p:nvPr/>
         </p:nvSpPr>
         <p:spPr>
           <a:xfrm>
-            <a:off x="751512" y="6380595"/>
-            <a:ext cx="3954318" cy="361199"/>
-          </a:xfrm>
-          <a:prstGeom prst="rect">
-            <a:avLst/>
-          </a:prstGeom>
-        </p:spPr>
-        <p:txBody>
-          <a:bodyPr wrap="square">
-            <a:spAutoFit/>
-          </a:bodyPr>
-          <a:p>
-            <a:pPr>
-              <a:defRPr/>
-            </a:pPr>
-            <a:r>
-              <a:rPr lang="en-US" altLang="ko-KR"/>
-              <a:t>(1)</a:t>
-            </a:r>
-            <a:r>
-              <a:rPr lang="ko-KR" altLang="en-US"/>
-              <a:t> 이미지 파일 </a:t>
-            </a:r>
-            <a:r>
-              <a:rPr lang="en-US" altLang="ko-KR"/>
-              <a:t>(</a:t>
-            </a:r>
-            <a:r>
-              <a:rPr lang="ko-KR" altLang="en-US"/>
-              <a:t>서버 컴퓨터에 저장</a:t>
-            </a:r>
-            <a:r>
-              <a:rPr lang="en-US" altLang="ko-KR"/>
-              <a:t>)</a:t>
-            </a:r>
-            <a:endParaRPr lang="en-US" altLang="ko-KR"/>
-          </a:p>
-        </p:txBody>
-      </p:sp>
-      <p:sp>
-        <p:nvSpPr>
-          <p:cNvPr id="69" name=""/>
-          <p:cNvSpPr txBox="1"/>
-          <p:nvPr/>
-        </p:nvSpPr>
-        <p:spPr>
-          <a:xfrm>
-            <a:off x="5728888" y="6326103"/>
-            <a:ext cx="5310912" cy="365684"/>
-          </a:xfrm>
-          <a:prstGeom prst="rect">
-            <a:avLst/>
-          </a:prstGeom>
-        </p:spPr>
-        <p:txBody>
-          <a:bodyPr wrap="square">
-            <a:spAutoFit/>
-          </a:bodyPr>
-          <a:lstStyle/>
-          <a:p>
-            <a:pPr>
-              <a:defRPr/>
-            </a:pPr>
-            <a:r>
-              <a:rPr lang="en-US" altLang="ko-KR"/>
-              <a:t>(2)</a:t>
-            </a:r>
-            <a:r>
-              <a:rPr lang="ko-KR" altLang="en-US"/>
-              <a:t> 이미지 파일에 접근할 수 있는 </a:t>
-            </a:r>
-            <a:r>
-              <a:rPr lang="en-US" altLang="ko-KR"/>
-              <a:t>URL DB</a:t>
-            </a:r>
-            <a:r>
-              <a:rPr lang="ko-KR" altLang="en-US"/>
-              <a:t>에저장</a:t>
-            </a:r>
-            <a:endParaRPr lang="ko-KR" altLang="en-US"/>
-          </a:p>
-        </p:txBody>
-      </p:sp>
-      <p:pic>
-        <p:nvPicPr>
-          <p:cNvPr id="73" name=""/>
-          <p:cNvPicPr>
-            <a:picLocks noChangeAspect="1"/>
-          </p:cNvPicPr>
-          <p:nvPr/>
-        </p:nvPicPr>
-        <p:blipFill rotWithShape="1">
-          <a:blip r:embed="rId3"/>
-          <a:srcRect r="38000" b="1710"/>
-          <a:stretch>
-            <a:fillRect/>
-          </a:stretch>
-        </p:blipFill>
-        <p:spPr>
-          <a:xfrm>
-            <a:off x="4999391" y="2879725"/>
-            <a:ext cx="6733473" cy="3004741"/>
-          </a:xfrm>
-          <a:prstGeom prst="rect">
-            <a:avLst/>
-          </a:prstGeom>
-        </p:spPr>
-      </p:pic>
-      <p:sp>
-        <p:nvSpPr>
-          <p:cNvPr id="72" name=""/>
-          <p:cNvSpPr/>
-          <p:nvPr/>
-        </p:nvSpPr>
-        <p:spPr>
-          <a:xfrm>
-            <a:off x="5664571" y="4465130"/>
-            <a:ext cx="5848493" cy="520448"/>
+            <a:off x="281938" y="101138"/>
+            <a:ext cx="1466852" cy="392257"/>
           </a:xfrm>
           <a:prstGeom prst="rect">
             <a:avLst/>
           </a:prstGeom>
           <a:noFill/>
+        </p:spPr>
+        <p:txBody>
+          <a:bodyPr wrap="none">
+            <a:spAutoFit/>
+          </a:bodyPr>
+          <a:lstStyle/>
+          <a:p>
+            <a:pPr lvl="0">
+              <a:defRPr/>
+            </a:pPr>
+            <a:r>
+              <a:rPr lang="en-US" altLang="ko-KR" sz="2000" b="1">
+                <a:latin typeface="KoPubWorld돋움체 Bold"/>
+                <a:ea typeface="KoPubWorld돋움체 Bold"/>
+                <a:cs typeface="KoPubWorld돋움체 Bold"/>
+              </a:rPr>
+              <a:t>2.</a:t>
+            </a:r>
+            <a:r>
+              <a:rPr lang="ko-KR" altLang="en-US" sz="2000" b="1">
+                <a:latin typeface="KoPubWorld돋움체 Bold"/>
+                <a:ea typeface="KoPubWorld돋움체 Bold"/>
+                <a:cs typeface="KoPubWorld돋움체 Bold"/>
+              </a:rPr>
+              <a:t> 전략패턴</a:t>
+            </a:r>
+            <a:endParaRPr lang="ko-KR" altLang="en-US" sz="2000" b="1">
+              <a:latin typeface="KoPubWorld돋움체 Bold"/>
+              <a:ea typeface="KoPubWorld돋움체 Bold"/>
+              <a:cs typeface="KoPubWorld돋움체 Bold"/>
+            </a:endParaRPr>
+          </a:p>
+        </p:txBody>
+      </p:sp>
+      <p:sp>
+        <p:nvSpPr>
+          <p:cNvPr id="16" name="직사각형 15"/>
+          <p:cNvSpPr/>
+          <p:nvPr/>
+        </p:nvSpPr>
+        <p:spPr>
+          <a:xfrm>
+            <a:off x="236831" y="711342"/>
+            <a:ext cx="5315954" cy="640096"/>
+          </a:xfrm>
+          <a:prstGeom prst="rect">
+            <a:avLst/>
+          </a:prstGeom>
+        </p:spPr>
+        <p:txBody>
+          <a:bodyPr wrap="square">
+            <a:spAutoFit/>
+          </a:bodyPr>
+          <a:lstStyle/>
+          <a:p>
+            <a:pPr>
+              <a:defRPr/>
+            </a:pPr>
+            <a:r>
+              <a:rPr lang="ko-KR" altLang="en-US" sz="3600" b="1">
+                <a:latin typeface="KoPubWorld돋움체 Bold"/>
+                <a:ea typeface="KoPubWorld돋움체 Bold"/>
+                <a:cs typeface="KoPubWorld돋움체 Bold"/>
+              </a:rPr>
+              <a:t>전략 패턴이란</a:t>
+            </a:r>
+            <a:endParaRPr lang="ko-KR" altLang="en-US" sz="3600" b="1">
+              <a:latin typeface="KoPubWorld돋움체 Bold"/>
+              <a:ea typeface="KoPubWorld돋움체 Bold"/>
+              <a:cs typeface="KoPubWorld돋움체 Bold"/>
+            </a:endParaRPr>
+          </a:p>
+        </p:txBody>
+      </p:sp>
+      <p:sp>
+        <p:nvSpPr>
+          <p:cNvPr id="47" name=""/>
+          <p:cNvSpPr txBox="1"/>
+          <p:nvPr/>
+        </p:nvSpPr>
+        <p:spPr>
+          <a:xfrm>
+            <a:off x="198958" y="1492691"/>
+            <a:ext cx="11327728" cy="2191579"/>
+          </a:xfrm>
+          <a:prstGeom prst="rect">
+            <a:avLst/>
+          </a:prstGeom>
+        </p:spPr>
+        <p:txBody>
+          <a:bodyPr wrap="square">
+            <a:spAutoFit/>
+          </a:bodyPr>
+          <a:lstStyle/>
+          <a:p>
+            <a:pPr>
+              <a:defRPr/>
+            </a:pPr>
+            <a:r>
+              <a:rPr lang="en-US" altLang="ko-KR" sz="2300"/>
+              <a:t>-</a:t>
+            </a:r>
+            <a:r>
+              <a:rPr lang="ko-KR" altLang="en-US" sz="2300"/>
+              <a:t> 전략패턴은 알고리즘군을 정의하고 캡슐화해서 각각의 알고리즘군을 수정해서 사용할 수 있게 해줍니다</a:t>
+            </a:r>
+            <a:r>
+              <a:rPr lang="en-US" altLang="ko-KR" sz="2300"/>
+              <a:t>.</a:t>
+            </a:r>
+            <a:r>
+              <a:rPr lang="ko-KR" altLang="en-US" sz="2300"/>
+              <a:t> 전략패턴을 사용하면 클라이언트로</a:t>
+            </a:r>
+            <a:r>
+              <a:rPr lang="en-US" altLang="ko-KR" sz="2300"/>
+              <a:t>(</a:t>
+            </a:r>
+            <a:r>
+              <a:rPr lang="ko-KR" altLang="en-US" sz="2300"/>
+              <a:t>모 객체</a:t>
+            </a:r>
+            <a:r>
+              <a:rPr lang="en-US" altLang="ko-KR" sz="2300"/>
+              <a:t>)</a:t>
+            </a:r>
+            <a:r>
+              <a:rPr lang="ko-KR" altLang="en-US" sz="2300"/>
+              <a:t>부터 알고리즘 분리해서 독립적으로 변경할 수 있다</a:t>
+            </a:r>
+            <a:r>
+              <a:rPr lang="en-US" altLang="ko-KR" sz="2300"/>
+              <a:t>.</a:t>
+            </a:r>
+            <a:endParaRPr lang="en-US" altLang="ko-KR" sz="2300"/>
+          </a:p>
+          <a:p>
+            <a:pPr>
+              <a:defRPr/>
+            </a:pPr>
+            <a:endParaRPr lang="en-US" altLang="ko-KR" sz="2300"/>
+          </a:p>
+          <a:p>
+            <a:pPr>
+              <a:defRPr/>
+            </a:pPr>
+            <a:r>
+              <a:rPr lang="en-US" altLang="ko-KR" sz="2300"/>
+              <a:t>-</a:t>
+            </a:r>
+            <a:r>
+              <a:rPr lang="ko-KR" altLang="en-US" sz="2300"/>
+              <a:t>실행중에 알고리즘을 선택할 수 있게 해주는 행위 소프트웨어 디자인 패턴이다</a:t>
+            </a:r>
+            <a:r>
+              <a:rPr lang="en-US" altLang="ko-KR" sz="2300"/>
+              <a:t>.</a:t>
+            </a:r>
+            <a:endParaRPr lang="en-US" altLang="ko-KR" sz="2300"/>
+          </a:p>
+          <a:p>
+            <a:pPr>
+              <a:defRPr/>
+            </a:pPr>
+            <a:r>
+              <a:rPr lang="en-US" altLang="ko-KR" sz="2300"/>
+              <a:t>-</a:t>
+            </a:r>
+            <a:r>
+              <a:rPr lang="ko-KR" altLang="en-US" sz="2300"/>
+              <a:t> 각 알고리즘을 캡슐화하여</a:t>
+            </a:r>
+            <a:r>
+              <a:rPr lang="en-US" altLang="ko-KR" sz="2300"/>
+              <a:t>,</a:t>
+            </a:r>
+            <a:r>
+              <a:rPr lang="ko-KR" altLang="en-US" sz="2300"/>
+              <a:t> 해당 계열 안에서 상호 교체가 가능하다</a:t>
+            </a:r>
+            <a:r>
+              <a:rPr lang="en-US" altLang="ko-KR" sz="2300"/>
+              <a:t>.</a:t>
+            </a:r>
+            <a:endParaRPr lang="en-US" altLang="ko-KR" sz="2300"/>
+          </a:p>
+        </p:txBody>
+      </p:sp>
+      <p:sp>
+        <p:nvSpPr>
+          <p:cNvPr id="49" name=""/>
+          <p:cNvSpPr/>
+          <p:nvPr/>
+        </p:nvSpPr>
+        <p:spPr>
+          <a:xfrm>
+            <a:off x="710828" y="5111212"/>
+            <a:ext cx="1814199" cy="1394474"/>
+          </a:xfrm>
+          <a:prstGeom prst="round2DiagRect">
+            <a:avLst>
+              <a:gd name="adj1" fmla="val 16667"/>
+              <a:gd name="adj2" fmla="val 0"/>
+            </a:avLst>
+          </a:prstGeom>
+          <a:noFill/>
           <a:ln w="50800">
             <a:solidFill>
-              <a:srgbClr val="ff0000"/>
+              <a:schemeClr val="accent1"/>
             </a:solidFill>
           </a:ln>
         </p:spPr>
@@ -5409,6 +5371,214 @@
           </a:p>
         </p:txBody>
       </p:sp>
+      <p:sp>
+        <p:nvSpPr>
+          <p:cNvPr id="50" name=""/>
+          <p:cNvSpPr/>
+          <p:nvPr/>
+        </p:nvSpPr>
+        <p:spPr>
+          <a:xfrm>
+            <a:off x="664790" y="4410328"/>
+            <a:ext cx="1695136" cy="293145"/>
+          </a:xfrm>
+          <a:prstGeom prst="round2DiagRect">
+            <a:avLst>
+              <a:gd name="adj1" fmla="val 16667"/>
+              <a:gd name="adj2" fmla="val 0"/>
+            </a:avLst>
+          </a:prstGeom>
+          <a:noFill/>
+          <a:ln w="50800">
+            <a:solidFill>
+              <a:schemeClr val="accent1"/>
+            </a:solidFill>
+          </a:ln>
+        </p:spPr>
+        <p:style>
+          <a:lnRef idx="2">
+            <a:schemeClr val="accent1">
+              <a:shade val="20000"/>
+            </a:schemeClr>
+          </a:lnRef>
+          <a:fillRef idx="1">
+            <a:schemeClr val="accent1"/>
+          </a:fillRef>
+          <a:effectRef idx="0">
+            <a:schemeClr val="accent1"/>
+          </a:effectRef>
+          <a:fontRef idx="minor">
+            <a:schemeClr val="lt1"/>
+          </a:fontRef>
+        </p:style>
+        <p:txBody>
+          <a:bodyPr anchor="ctr"/>
+          <a:lstStyle/>
+          <a:p>
+            <a:pPr algn="ctr">
+              <a:defRPr/>
+            </a:pPr>
+            <a:endParaRPr lang="ko-KR" altLang="en-US"/>
+          </a:p>
+        </p:txBody>
+      </p:sp>
+      <p:cxnSp>
+        <p:nvCxnSpPr>
+          <p:cNvPr id="51" name=""/>
+          <p:cNvCxnSpPr>
+            <a:stCxn id="49" idx="0"/>
+          </p:cNvCxnSpPr>
+          <p:nvPr/>
+        </p:nvCxnSpPr>
+        <p:spPr>
+          <a:xfrm>
+            <a:off x="2525027" y="5808449"/>
+            <a:ext cx="2092613" cy="458207"/>
+          </a:xfrm>
+          <a:prstGeom prst="bentConnector3">
+            <a:avLst>
+              <a:gd name="adj1" fmla="val 50000"/>
+            </a:avLst>
+          </a:prstGeom>
+          <a:ln w="88900">
+            <a:solidFill>
+              <a:schemeClr val="accent1"/>
+            </a:solidFill>
+            <a:tailEnd type="arrow"/>
+          </a:ln>
+        </p:spPr>
+        <p:style>
+          <a:lnRef idx="1">
+            <a:schemeClr val="accent1"/>
+          </a:lnRef>
+          <a:fillRef idx="0">
+            <a:schemeClr val="accent1"/>
+          </a:fillRef>
+          <a:effectRef idx="0">
+            <a:schemeClr val="accent1"/>
+          </a:effectRef>
+          <a:fontRef idx="minor">
+            <a:schemeClr val="tx1"/>
+          </a:fontRef>
+        </p:style>
+      </p:cxnSp>
+      <p:sp>
+        <p:nvSpPr>
+          <p:cNvPr id="53" name=""/>
+          <p:cNvSpPr txBox="1"/>
+          <p:nvPr/>
+        </p:nvSpPr>
+        <p:spPr>
+          <a:xfrm>
+            <a:off x="4766469" y="4351734"/>
+            <a:ext cx="4593829" cy="363221"/>
+          </a:xfrm>
+          <a:prstGeom prst="rect">
+            <a:avLst/>
+          </a:prstGeom>
+        </p:spPr>
+        <p:txBody>
+          <a:bodyPr wrap="square">
+            <a:spAutoFit/>
+          </a:bodyPr>
+          <a:p>
+            <a:pPr>
+              <a:defRPr/>
+            </a:pPr>
+            <a:r>
+              <a:rPr lang="en-US" altLang="ko-KR"/>
+              <a:t>1.</a:t>
+            </a:r>
+            <a:r>
+              <a:rPr lang="ko-KR" altLang="en-US"/>
+              <a:t> 교체해야할 알고리즘의 기본 틀 선언</a:t>
+            </a:r>
+            <a:endParaRPr lang="ko-KR" altLang="en-US"/>
+          </a:p>
+        </p:txBody>
+      </p:sp>
+      <p:sp>
+        <p:nvSpPr>
+          <p:cNvPr id="54" name=""/>
+          <p:cNvSpPr txBox="1"/>
+          <p:nvPr/>
+        </p:nvSpPr>
+        <p:spPr>
+          <a:xfrm>
+            <a:off x="4809729" y="6022181"/>
+            <a:ext cx="5099845" cy="367189"/>
+          </a:xfrm>
+          <a:prstGeom prst="rect">
+            <a:avLst/>
+          </a:prstGeom>
+        </p:spPr>
+        <p:txBody>
+          <a:bodyPr wrap="square">
+            <a:spAutoFit/>
+          </a:bodyPr>
+          <a:lstStyle/>
+          <a:p>
+            <a:pPr>
+              <a:defRPr/>
+            </a:pPr>
+            <a:r>
+              <a:rPr lang="en-US" altLang="ko-KR"/>
+              <a:t>2.</a:t>
+            </a:r>
+            <a:r>
+              <a:rPr lang="ko-KR" altLang="en-US"/>
+              <a:t> 교체해야 할 알고리즘</a:t>
+            </a:r>
+            <a:r>
+              <a:rPr lang="en-US" altLang="ko-KR"/>
+              <a:t> interface</a:t>
+            </a:r>
+            <a:r>
+              <a:rPr lang="ko-KR" altLang="en-US"/>
+              <a:t>의 구현체 </a:t>
+            </a:r>
+            <a:endParaRPr lang="ko-KR" altLang="en-US"/>
+          </a:p>
+        </p:txBody>
+      </p:sp>
+      <p:cxnSp>
+        <p:nvCxnSpPr>
+          <p:cNvPr id="55" name=""/>
+          <p:cNvCxnSpPr/>
+          <p:nvPr/>
+        </p:nvCxnSpPr>
+        <p:spPr>
+          <a:xfrm>
+            <a:off x="2369848" y="4576744"/>
+            <a:ext cx="2261285" cy="16686"/>
+          </a:xfrm>
+          <a:prstGeom prst="bentConnector3">
+            <a:avLst>
+              <a:gd name="adj1" fmla="val 50000"/>
+            </a:avLst>
+          </a:prstGeom>
+          <a:ln w="88900">
+            <a:solidFill>
+              <a:schemeClr val="accent1"/>
+            </a:solidFill>
+            <a:tailEnd type="arrow"/>
+          </a:ln>
+        </p:spPr>
+        <p:style>
+          <a:lnRef idx="1">
+            <a:schemeClr val="accent1"/>
+          </a:lnRef>
+          <a:fillRef idx="0">
+            <a:schemeClr val="accent1"/>
+          </a:fillRef>
+          <a:effectRef idx="0">
+            <a:schemeClr val="accent1"/>
+          </a:effectRef>
+          <a:fontRef idx="minor">
+            <a:schemeClr val="tx1"/>
+          </a:fontRef>
+        </p:style>
+      </p:cxnSp>
     </p:spTree>
   </p:cSld>
   <p:clrMapOvr>
@@ -5442,164 +5612,86 @@
           <a:chExt cx="0" cy="0"/>
         </a:xfrm>
       </p:grpSpPr>
-      <p:grpSp>
-        <p:nvGrpSpPr>
-          <p:cNvPr id="2" name="그룹 1"/>
-          <p:cNvGrpSpPr/>
+      <p:sp>
+        <p:nvSpPr>
+          <p:cNvPr id="13" name="TextBox 12"/>
+          <p:cNvSpPr txBox="1"/>
           <p:nvPr/>
-        </p:nvGrpSpPr>
-        <p:grpSpPr>
-          <a:xfrm rot="0">
-            <a:off x="281939" y="85117"/>
-            <a:ext cx="10801351" cy="408278"/>
-            <a:chOff x="281939" y="85117"/>
-            <a:chExt cx="10801351" cy="408278"/>
-          </a:xfrm>
-        </p:grpSpPr>
-        <p:sp>
-          <p:nvSpPr>
-            <p:cNvPr id="13" name="TextBox 12"/>
-            <p:cNvSpPr txBox="1"/>
-            <p:nvPr/>
-          </p:nvSpPr>
-          <p:spPr>
-            <a:xfrm>
-              <a:off x="281939" y="101138"/>
-              <a:ext cx="2571751" cy="392257"/>
-            </a:xfrm>
-            <a:prstGeom prst="rect">
-              <a:avLst/>
-            </a:prstGeom>
-            <a:noFill/>
-          </p:spPr>
-          <p:txBody>
-            <a:bodyPr wrap="none">
-              <a:spAutoFit/>
-            </a:bodyPr>
-            <a:lstStyle/>
-            <a:p>
-              <a:pPr lvl="0">
-                <a:defRPr/>
-              </a:pPr>
-              <a:r>
-                <a:rPr lang="en-US" altLang="ko-KR" sz="2000" b="1">
-                  <a:latin typeface="KoPubWorld돋움체 Bold"/>
-                  <a:ea typeface="KoPubWorld돋움체 Bold"/>
-                  <a:cs typeface="KoPubWorld돋움체 Bold"/>
-                </a:rPr>
-                <a:t>2.</a:t>
-              </a:r>
-              <a:r>
-                <a:rPr lang="ko-KR" altLang="en-US" sz="2000" b="1">
-                  <a:latin typeface="KoPubWorld돋움체 Bold"/>
-                  <a:ea typeface="KoPubWorld돋움체 Bold"/>
-                  <a:cs typeface="KoPubWorld돋움체 Bold"/>
-                </a:rPr>
-                <a:t> </a:t>
-              </a:r>
-              <a:r>
-                <a:rPr lang="en-US" altLang="ko-KR" sz="2000" b="1">
-                  <a:latin typeface="KoPubWorld돋움체 Bold"/>
-                  <a:ea typeface="KoPubWorld돋움체 Bold"/>
-                  <a:cs typeface="KoPubWorld돋움체 Bold"/>
-                </a:rPr>
-                <a:t>Trouble-Shooting</a:t>
-              </a:r>
-              <a:endParaRPr lang="en-US" altLang="ko-KR" sz="2000" b="1">
-                <a:latin typeface="KoPubWorld돋움체 Bold"/>
-                <a:ea typeface="KoPubWorld돋움체 Bold"/>
-                <a:cs typeface="KoPubWorld돋움체 Bold"/>
-              </a:endParaRPr>
-            </a:p>
-          </p:txBody>
-        </p:sp>
-        <p:sp>
-          <p:nvSpPr>
-            <p:cNvPr id="14" name="TextBox 13"/>
-            <p:cNvSpPr txBox="1"/>
-            <p:nvPr/>
-          </p:nvSpPr>
-          <p:spPr>
-            <a:xfrm>
-              <a:off x="9450648" y="85117"/>
-              <a:ext cx="1632642" cy="369332"/>
-            </a:xfrm>
-            <a:prstGeom prst="rect">
-              <a:avLst/>
-            </a:prstGeom>
-            <a:noFill/>
-          </p:spPr>
-          <p:txBody>
-            <a:bodyPr wrap="none">
-              <a:spAutoFit/>
-            </a:bodyPr>
-            <a:lstStyle/>
-            <a:p>
-              <a:pPr lvl="0">
-                <a:defRPr/>
-              </a:pPr>
-              <a:r>
-                <a:rPr lang="en-US" altLang="ko-KR">
-                  <a:solidFill>
-                    <a:schemeClr val="bg1"/>
-                  </a:solidFill>
-                  <a:latin typeface="KoPubWorld돋움체 Bold"/>
-                  <a:ea typeface="KoPubWorld돋움체 Bold"/>
-                  <a:cs typeface="KoPubWorld돋움체 Bold"/>
-                </a:rPr>
-                <a:t>Error_Logging</a:t>
-              </a:r>
-              <a:endParaRPr lang="en-US" altLang="ko-KR">
-                <a:solidFill>
-                  <a:schemeClr val="bg1"/>
-                </a:solidFill>
-                <a:latin typeface="KoPubWorld돋움체 Bold"/>
-                <a:ea typeface="KoPubWorld돋움체 Bold"/>
-                <a:cs typeface="KoPubWorld돋움체 Bold"/>
-              </a:endParaRPr>
-            </a:p>
-          </p:txBody>
-        </p:sp>
-      </p:grpSp>
-      <p:sp>
-        <p:nvSpPr>
-          <p:cNvPr id="35" name="직사각형 15"/>
-          <p:cNvSpPr/>
-          <p:nvPr/>
-        </p:nvSpPr>
-        <p:spPr>
-          <a:xfrm>
-            <a:off x="286837" y="720074"/>
-            <a:ext cx="6778956" cy="640096"/>
+        </p:nvSpPr>
+        <p:spPr>
+          <a:xfrm>
+            <a:off x="281938" y="101138"/>
+            <a:ext cx="1390652" cy="392257"/>
           </a:xfrm>
           <a:prstGeom prst="rect">
             <a:avLst/>
           </a:prstGeom>
-        </p:spPr>
-        <p:txBody>
-          <a:bodyPr wrap="square">
+          <a:noFill/>
+        </p:spPr>
+        <p:txBody>
+          <a:bodyPr wrap="none">
             <a:spAutoFit/>
           </a:bodyPr>
           <a:lstStyle/>
           <a:p>
-            <a:pPr>
-              <a:defRPr/>
-            </a:pPr>
-            <a:r>
-              <a:rPr lang="en-US" altLang="ko-KR" sz="3600" b="1">
+            <a:pPr lvl="0">
+              <a:defRPr/>
+            </a:pPr>
+            <a:r>
+              <a:rPr lang="en-US" altLang="ko-KR" sz="2000" b="1">
                 <a:latin typeface="KoPubWorld돋움체 Bold"/>
                 <a:ea typeface="KoPubWorld돋움체 Bold"/>
                 <a:cs typeface="KoPubWorld돋움체 Bold"/>
               </a:rPr>
-              <a:t>Trouble-shooting</a:t>
-            </a:r>
+              <a:t>2</a:t>
+            </a:r>
+            <a:r>
+              <a:rPr lang="ko-KR" altLang="en-US" sz="2000" b="1">
+                <a:latin typeface="KoPubWorld돋움체 Bold"/>
+                <a:ea typeface="KoPubWorld돋움체 Bold"/>
+                <a:cs typeface="KoPubWorld돋움체 Bold"/>
+              </a:rPr>
+              <a:t> 전략패턴</a:t>
+            </a:r>
+            <a:endParaRPr lang="ko-KR" altLang="en-US" sz="2000" b="1">
+              <a:latin typeface="KoPubWorld돋움체 Bold"/>
+              <a:ea typeface="KoPubWorld돋움체 Bold"/>
+              <a:cs typeface="KoPubWorld돋움체 Bold"/>
+            </a:endParaRPr>
+          </a:p>
+        </p:txBody>
+      </p:sp>
+      <p:sp>
+        <p:nvSpPr>
+          <p:cNvPr id="16" name="직사각형 15"/>
+          <p:cNvSpPr/>
+          <p:nvPr/>
+        </p:nvSpPr>
+        <p:spPr>
+          <a:xfrm>
+            <a:off x="236831" y="711342"/>
+            <a:ext cx="5315954" cy="640096"/>
+          </a:xfrm>
+          <a:prstGeom prst="rect">
+            <a:avLst/>
+          </a:prstGeom>
+        </p:spPr>
+        <p:txBody>
+          <a:bodyPr wrap="square">
+            <a:spAutoFit/>
+          </a:bodyPr>
+          <a:lstStyle/>
+          <a:p>
+            <a:pPr>
+              <a:defRPr/>
+            </a:pPr>
             <a:r>
               <a:rPr lang="ko-KR" altLang="en-US" sz="3600" b="1">
                 <a:latin typeface="KoPubWorld돋움체 Bold"/>
                 <a:ea typeface="KoPubWorld돋움체 Bold"/>
                 <a:cs typeface="KoPubWorld돋움체 Bold"/>
               </a:rPr>
-              <a:t> </a:t>
+              <a:t>전략 패턴이란</a:t>
             </a:r>
             <a:endParaRPr lang="ko-KR" altLang="en-US" sz="3600" b="1">
               <a:latin typeface="KoPubWorld돋움체 Bold"/>
@@ -5609,401 +5701,47 @@
           </a:p>
         </p:txBody>
       </p:sp>
-      <p:sp>
-        <p:nvSpPr>
-          <p:cNvPr id="65" name=""/>
-          <p:cNvSpPr txBox="1"/>
+      <p:pic>
+        <p:nvPicPr>
+          <p:cNvPr id="56" name=""/>
+          <p:cNvPicPr>
+            <a:picLocks noChangeAspect="1"/>
+          </p:cNvPicPr>
           <p:nvPr/>
-        </p:nvSpPr>
-        <p:spPr>
-          <a:xfrm>
-            <a:off x="578233" y="1649075"/>
-            <a:ext cx="9736668" cy="367357"/>
+        </p:nvPicPr>
+        <p:blipFill rotWithShape="1">
+          <a:blip r:embed="rId2"/>
+          <a:stretch>
+            <a:fillRect/>
+          </a:stretch>
+        </p:blipFill>
+        <p:spPr>
+          <a:xfrm>
+            <a:off x="347344" y="1769110"/>
+            <a:ext cx="5345747" cy="4490561"/>
           </a:xfrm>
           <a:prstGeom prst="rect">
             <a:avLst/>
           </a:prstGeom>
         </p:spPr>
-        <p:txBody>
-          <a:bodyPr wrap="square">
-            <a:spAutoFit/>
-          </a:bodyPr>
-          <a:p>
-            <a:pPr>
-              <a:defRPr/>
-            </a:pPr>
-            <a:r>
-              <a:rPr lang="en-US" altLang="ko-KR"/>
-              <a:t>3.</a:t>
-            </a:r>
-            <a:r>
-              <a:rPr lang="ko-KR" altLang="en-US"/>
-              <a:t> 문제를 해결하는 방법에 대한 고찰</a:t>
-            </a:r>
-            <a:endParaRPr lang="ko-KR" altLang="en-US"/>
-          </a:p>
-        </p:txBody>
-      </p:sp>
-      <p:sp>
-        <p:nvSpPr>
-          <p:cNvPr id="67" name=""/>
-          <p:cNvSpPr txBox="1"/>
-          <p:nvPr/>
-        </p:nvSpPr>
-        <p:spPr>
-          <a:xfrm>
-            <a:off x="607097" y="2341803"/>
-            <a:ext cx="10188863" cy="361392"/>
-          </a:xfrm>
-          <a:prstGeom prst="rect">
-            <a:avLst/>
-          </a:prstGeom>
-        </p:spPr>
-        <p:txBody>
-          <a:bodyPr wrap="square">
-            <a:spAutoFit/>
-          </a:bodyPr>
-          <a:p>
-            <a:pPr>
-              <a:defRPr/>
-            </a:pPr>
-            <a:r>
-              <a:rPr lang="en-US" altLang="ko-KR"/>
-              <a:t> </a:t>
-            </a:r>
-            <a:endParaRPr lang="en-US" altLang="ko-KR"/>
-          </a:p>
-        </p:txBody>
-      </p:sp>
-      <p:sp>
-        <p:nvSpPr>
-          <p:cNvPr id="68" name=""/>
-          <p:cNvSpPr/>
-          <p:nvPr/>
-        </p:nvSpPr>
-        <p:spPr>
-          <a:xfrm>
-            <a:off x="733977" y="2226348"/>
-            <a:ext cx="1789545" cy="1202651"/>
-          </a:xfrm>
-          <a:prstGeom prst="rect">
-            <a:avLst/>
-          </a:prstGeom>
-        </p:spPr>
-        <p:style>
-          <a:lnRef idx="2">
-            <a:schemeClr val="accent1">
-              <a:shade val="20000"/>
-            </a:schemeClr>
-          </a:lnRef>
-          <a:fillRef idx="1">
-            <a:schemeClr val="accent1"/>
-          </a:fillRef>
-          <a:effectRef idx="0">
-            <a:schemeClr val="accent1"/>
-          </a:effectRef>
-          <a:fontRef idx="minor">
-            <a:schemeClr val="lt1"/>
-          </a:fontRef>
-        </p:style>
-        <p:txBody>
-          <a:bodyPr anchor="ctr"/>
-          <a:lstStyle/>
-          <a:p>
-            <a:pPr algn="ctr">
-              <a:defRPr/>
-            </a:pPr>
-            <a:r>
-              <a:rPr lang="ko-KR" altLang="en-US"/>
-              <a:t>오류직면</a:t>
-            </a:r>
-            <a:endParaRPr lang="ko-KR" altLang="en-US"/>
-          </a:p>
-        </p:txBody>
-      </p:sp>
-      <p:sp>
-        <p:nvSpPr>
-          <p:cNvPr id="69" name=""/>
-          <p:cNvSpPr/>
-          <p:nvPr/>
-        </p:nvSpPr>
-        <p:spPr>
-          <a:xfrm>
-            <a:off x="2714143" y="2630439"/>
-            <a:ext cx="1144923" cy="452196"/>
-          </a:xfrm>
-          <a:prstGeom prst="rightArrow">
-            <a:avLst>
-              <a:gd name="adj1" fmla="val 50000"/>
-              <a:gd name="adj2" fmla="val 50000"/>
-            </a:avLst>
-          </a:prstGeom>
-        </p:spPr>
-        <p:style>
-          <a:lnRef idx="2">
-            <a:schemeClr val="accent1">
-              <a:shade val="20000"/>
-            </a:schemeClr>
-          </a:lnRef>
-          <a:fillRef idx="1">
-            <a:schemeClr val="accent1"/>
-          </a:fillRef>
-          <a:effectRef idx="0">
-            <a:schemeClr val="accent1"/>
-          </a:effectRef>
-          <a:fontRef idx="minor">
-            <a:schemeClr val="lt1"/>
-          </a:fontRef>
-        </p:style>
-        <p:txBody>
-          <a:bodyPr anchor="ctr"/>
-          <a:p>
-            <a:pPr algn="ctr">
-              <a:defRPr/>
-            </a:pPr>
-            <a:endParaRPr lang="ko-KR" altLang="en-US"/>
-          </a:p>
-        </p:txBody>
-      </p:sp>
-      <p:sp>
-        <p:nvSpPr>
-          <p:cNvPr id="71" name=""/>
-          <p:cNvSpPr/>
-          <p:nvPr/>
-        </p:nvSpPr>
-        <p:spPr>
-          <a:xfrm>
-            <a:off x="4040331" y="2204027"/>
-            <a:ext cx="1808788" cy="1224972"/>
-          </a:xfrm>
-          <a:prstGeom prst="rect">
-            <a:avLst/>
-          </a:prstGeom>
-        </p:spPr>
-        <p:style>
-          <a:lnRef idx="2">
-            <a:schemeClr val="accent1">
-              <a:shade val="20000"/>
-            </a:schemeClr>
-          </a:lnRef>
-          <a:fillRef idx="1">
-            <a:schemeClr val="accent1"/>
-          </a:fillRef>
-          <a:effectRef idx="0">
-            <a:schemeClr val="accent1"/>
-          </a:effectRef>
-          <a:fontRef idx="minor">
-            <a:schemeClr val="lt1"/>
-          </a:fontRef>
-        </p:style>
-        <p:txBody>
-          <a:bodyPr anchor="ctr"/>
-          <a:lstStyle/>
-          <a:p>
-            <a:pPr algn="ctr">
-              <a:defRPr/>
-            </a:pPr>
-            <a:r>
-              <a:rPr lang="ko-KR" altLang="en-US"/>
-              <a:t>문제인지</a:t>
-            </a:r>
-            <a:endParaRPr lang="ko-KR" altLang="en-US"/>
-          </a:p>
-          <a:p>
-            <a:pPr algn="ctr">
-              <a:defRPr/>
-            </a:pPr>
-            <a:r>
-              <a:rPr lang="en-US" altLang="ko-KR"/>
-              <a:t>(</a:t>
-            </a:r>
-            <a:r>
-              <a:rPr lang="ko-KR" altLang="en-US"/>
-              <a:t>중요</a:t>
-            </a:r>
-            <a:r>
-              <a:rPr lang="en-US" altLang="ko-KR"/>
-              <a:t>)</a:t>
-            </a:r>
-            <a:endParaRPr lang="en-US" altLang="ko-KR"/>
-          </a:p>
-        </p:txBody>
-      </p:sp>
-      <p:sp>
-        <p:nvSpPr>
-          <p:cNvPr id="72" name=""/>
-          <p:cNvSpPr/>
-          <p:nvPr/>
-        </p:nvSpPr>
-        <p:spPr>
-          <a:xfrm>
-            <a:off x="6096000" y="2590415"/>
-            <a:ext cx="1144923" cy="452196"/>
-          </a:xfrm>
-          <a:prstGeom prst="rightArrow">
-            <a:avLst>
-              <a:gd name="adj1" fmla="val 50000"/>
-              <a:gd name="adj2" fmla="val 50000"/>
-            </a:avLst>
-          </a:prstGeom>
-        </p:spPr>
-        <p:style>
-          <a:lnRef idx="2">
-            <a:schemeClr val="accent1">
-              <a:shade val="20000"/>
-            </a:schemeClr>
-          </a:lnRef>
-          <a:fillRef idx="1">
-            <a:schemeClr val="accent1"/>
-          </a:fillRef>
-          <a:effectRef idx="0">
-            <a:schemeClr val="accent1"/>
-          </a:effectRef>
-          <a:fontRef idx="minor">
-            <a:schemeClr val="lt1"/>
-          </a:fontRef>
-        </p:style>
-        <p:txBody>
-          <a:bodyPr anchor="ctr"/>
-          <a:lstStyle/>
-          <a:p>
-            <a:pPr algn="ctr">
-              <a:defRPr/>
-            </a:pPr>
-            <a:endParaRPr lang="ko-KR" altLang="en-US"/>
-          </a:p>
-        </p:txBody>
-      </p:sp>
-      <p:sp>
-        <p:nvSpPr>
-          <p:cNvPr id="73" name=""/>
-          <p:cNvSpPr/>
-          <p:nvPr/>
-        </p:nvSpPr>
-        <p:spPr>
-          <a:xfrm>
-            <a:off x="7521669" y="2204027"/>
-            <a:ext cx="1808788" cy="1224972"/>
-          </a:xfrm>
-          <a:prstGeom prst="rect">
-            <a:avLst/>
-          </a:prstGeom>
-        </p:spPr>
-        <p:style>
-          <a:lnRef idx="2">
-            <a:schemeClr val="accent1">
-              <a:shade val="20000"/>
-            </a:schemeClr>
-          </a:lnRef>
-          <a:fillRef idx="1">
-            <a:schemeClr val="accent1"/>
-          </a:fillRef>
-          <a:effectRef idx="0">
-            <a:schemeClr val="accent1"/>
-          </a:effectRef>
-          <a:fontRef idx="minor">
-            <a:schemeClr val="lt1"/>
-          </a:fontRef>
-        </p:style>
-        <p:txBody>
-          <a:bodyPr anchor="ctr"/>
-          <a:lstStyle/>
-          <a:p>
-            <a:pPr algn="ctr">
-              <a:defRPr/>
-            </a:pPr>
-            <a:r>
-              <a:rPr lang="ko-KR" altLang="en-US" sz="1500"/>
-              <a:t>구글링</a:t>
-            </a:r>
-            <a:br>
-              <a:rPr lang="ko-KR" altLang="en-US" sz="1500"/>
-            </a:br>
-            <a:r>
-              <a:rPr lang="en-US" altLang="ko-KR" sz="1500"/>
-              <a:t>(</a:t>
-            </a:r>
-            <a:r>
-              <a:rPr lang="ko-KR" altLang="en-US" sz="1500"/>
-              <a:t>용어 모를시</a:t>
-            </a:r>
-            <a:r>
-              <a:rPr lang="en-US" altLang="ko-KR" sz="1500"/>
-              <a:t>,</a:t>
-            </a:r>
-            <a:r>
-              <a:rPr lang="ko-KR" altLang="en-US" sz="1500"/>
-              <a:t> 용어에 대한 공부</a:t>
-            </a:r>
-            <a:r>
-              <a:rPr lang="en-US" altLang="ko-KR" sz="1500"/>
-              <a:t>)</a:t>
-            </a:r>
-            <a:endParaRPr lang="en-US" altLang="ko-KR" sz="1500"/>
-          </a:p>
-        </p:txBody>
-      </p:sp>
-      <p:sp>
-        <p:nvSpPr>
-          <p:cNvPr id="75" name=""/>
-          <p:cNvSpPr/>
-          <p:nvPr/>
-        </p:nvSpPr>
-        <p:spPr>
-          <a:xfrm>
-            <a:off x="746411" y="4030519"/>
-            <a:ext cx="1808788" cy="1224972"/>
-          </a:xfrm>
-          <a:prstGeom prst="rect">
-            <a:avLst/>
-          </a:prstGeom>
-        </p:spPr>
-        <p:style>
-          <a:lnRef idx="2">
-            <a:schemeClr val="accent1">
-              <a:shade val="20000"/>
-            </a:schemeClr>
-          </a:lnRef>
-          <a:fillRef idx="1">
-            <a:schemeClr val="accent1"/>
-          </a:fillRef>
-          <a:effectRef idx="0">
-            <a:schemeClr val="accent1"/>
-          </a:effectRef>
-          <a:fontRef idx="minor">
-            <a:schemeClr val="lt1"/>
-          </a:fontRef>
-        </p:style>
-        <p:txBody>
-          <a:bodyPr anchor="ctr"/>
-          <a:lstStyle/>
-          <a:p>
-            <a:pPr algn="ctr">
-              <a:defRPr/>
-            </a:pPr>
-            <a:r>
-              <a:rPr lang="ko-KR" altLang="en-US" sz="1500"/>
-              <a:t>해결시도</a:t>
-            </a:r>
-            <a:endParaRPr lang="ko-KR" altLang="en-US" sz="1500"/>
-          </a:p>
-        </p:txBody>
-      </p:sp>
+      </p:pic>
       <p:cxnSp>
         <p:nvCxnSpPr>
-          <p:cNvPr id="76" name=""/>
+          <p:cNvPr id="57" name=""/>
           <p:cNvCxnSpPr/>
           <p:nvPr/>
         </p:nvCxnSpPr>
         <p:spPr>
           <a:xfrm>
-            <a:off x="2782310" y="4603389"/>
-            <a:ext cx="1019848" cy="0"/>
-          </a:xfrm>
-          <a:prstGeom prst="straightConnector1">
-            <a:avLst/>
+            <a:off x="3163598" y="2592369"/>
+            <a:ext cx="3170527" cy="13114"/>
+          </a:xfrm>
+          <a:prstGeom prst="bentConnector3">
+            <a:avLst>
+              <a:gd name="adj1" fmla="val 50000"/>
+            </a:avLst>
           </a:prstGeom>
-          <a:ln w="63500">
+          <a:ln w="88900">
             <a:solidFill>
               <a:schemeClr val="accent1"/>
             </a:solidFill>
@@ -6025,21 +5763,67 @@
           </a:fontRef>
         </p:style>
       </p:cxnSp>
+      <p:sp>
+        <p:nvSpPr>
+          <p:cNvPr id="58" name=""/>
+          <p:cNvSpPr txBox="1"/>
+          <p:nvPr/>
+        </p:nvSpPr>
+        <p:spPr>
+          <a:xfrm>
+            <a:off x="6605589" y="2400696"/>
+            <a:ext cx="3899297" cy="359649"/>
+          </a:xfrm>
+          <a:prstGeom prst="rect">
+            <a:avLst/>
+          </a:prstGeom>
+        </p:spPr>
+        <p:txBody>
+          <a:bodyPr wrap="square">
+            <a:spAutoFit/>
+          </a:bodyPr>
+          <a:lstStyle/>
+          <a:p>
+            <a:pPr>
+              <a:defRPr/>
+            </a:pPr>
+            <a:r>
+              <a:rPr lang="en-US" altLang="ko-KR"/>
+              <a:t>1.</a:t>
+            </a:r>
+            <a:r>
+              <a:rPr lang="ko-KR" altLang="en-US"/>
+              <a:t> 모 추상 객체에 </a:t>
+            </a:r>
+            <a:r>
+              <a:rPr lang="en-US" altLang="ko-KR"/>
+              <a:t>interface</a:t>
+            </a:r>
+            <a:r>
+              <a:rPr lang="ko-KR" altLang="en-US"/>
+              <a:t>를 선언 </a:t>
+            </a:r>
+            <a:endParaRPr lang="ko-KR" altLang="en-US"/>
+          </a:p>
+        </p:txBody>
+      </p:sp>
       <p:cxnSp>
         <p:nvCxnSpPr>
-          <p:cNvPr id="77" name=""/>
+          <p:cNvPr id="59" name=""/>
           <p:cNvCxnSpPr/>
           <p:nvPr/>
         </p:nvCxnSpPr>
         <p:spPr>
-          <a:xfrm rot="16200000" flipH="1">
-            <a:off x="2522537" y="4887515"/>
-            <a:ext cx="1458516" cy="1002109"/>
-          </a:xfrm>
-          <a:prstGeom prst="straightConnector1">
-            <a:avLst/>
+          <a:xfrm>
+            <a:off x="3084222" y="3856019"/>
+            <a:ext cx="3170527" cy="13114"/>
+          </a:xfrm>
+          <a:prstGeom prst="bentConnector3">
+            <a:avLst>
+              <a:gd name="adj1" fmla="val 50000"/>
+            </a:avLst>
           </a:prstGeom>
-          <a:ln w="63500">
+          <a:ln w="88900">
             <a:solidFill>
               <a:schemeClr val="accent1"/>
             </a:solidFill>
@@ -6063,103 +5847,229 @@
       </p:cxnSp>
       <p:sp>
         <p:nvSpPr>
-          <p:cNvPr id="78" name=""/>
-          <p:cNvSpPr/>
+          <p:cNvPr id="60" name=""/>
+          <p:cNvSpPr txBox="1"/>
           <p:nvPr/>
         </p:nvSpPr>
         <p:spPr>
           <a:xfrm>
-            <a:off x="4014280" y="3994404"/>
-            <a:ext cx="1808788" cy="1224972"/>
+            <a:off x="6529786" y="3664346"/>
+            <a:ext cx="3522266" cy="362824"/>
           </a:xfrm>
           <a:prstGeom prst="rect">
             <a:avLst/>
           </a:prstGeom>
         </p:spPr>
+        <p:txBody>
+          <a:bodyPr wrap="square">
+            <a:spAutoFit/>
+          </a:bodyPr>
+          <a:lstStyle/>
+          <a:p>
+            <a:pPr>
+              <a:defRPr/>
+            </a:pPr>
+            <a:r>
+              <a:rPr lang="en-US" altLang="ko-KR"/>
+              <a:t>2.</a:t>
+            </a:r>
+            <a:r>
+              <a:rPr lang="ko-KR" altLang="en-US"/>
+              <a:t> 해당 인터페이스에 함수 실행 </a:t>
+            </a:r>
+            <a:endParaRPr lang="ko-KR" altLang="en-US"/>
+          </a:p>
+        </p:txBody>
+      </p:sp>
+      <p:cxnSp>
+        <p:nvCxnSpPr>
+          <p:cNvPr id="61" name=""/>
+          <p:cNvCxnSpPr/>
+          <p:nvPr/>
+        </p:nvCxnSpPr>
+        <p:spPr>
+          <a:xfrm>
+            <a:off x="4510736" y="5070061"/>
+            <a:ext cx="2071436" cy="25814"/>
+          </a:xfrm>
+          <a:prstGeom prst="bentConnector3">
+            <a:avLst>
+              <a:gd name="adj1" fmla="val 50000"/>
+            </a:avLst>
+          </a:prstGeom>
+          <a:ln w="88900">
+            <a:solidFill>
+              <a:schemeClr val="accent1"/>
+            </a:solidFill>
+            <a:tailEnd type="arrow"/>
+          </a:ln>
+        </p:spPr>
         <p:style>
-          <a:lnRef idx="2">
-            <a:schemeClr val="accent1">
-              <a:shade val="20000"/>
-            </a:schemeClr>
+          <a:lnRef idx="1">
+            <a:schemeClr val="accent1"/>
           </a:lnRef>
-          <a:fillRef idx="1">
+          <a:fillRef idx="0">
             <a:schemeClr val="accent1"/>
           </a:fillRef>
           <a:effectRef idx="0">
             <a:schemeClr val="accent1"/>
           </a:effectRef>
           <a:fontRef idx="minor">
-            <a:schemeClr val="lt1"/>
+            <a:schemeClr val="tx1"/>
           </a:fontRef>
         </p:style>
-        <p:txBody>
-          <a:bodyPr anchor="ctr"/>
-          <a:lstStyle/>
-          <a:p>
-            <a:pPr algn="ctr">
-              <a:defRPr/>
-            </a:pPr>
-            <a:r>
-              <a:rPr lang="ko-KR" altLang="en-US" sz="1500"/>
-              <a:t>해결성공</a:t>
-            </a:r>
-            <a:endParaRPr lang="ko-KR" altLang="en-US" sz="1500"/>
-          </a:p>
-        </p:txBody>
-      </p:sp>
-      <p:sp>
-        <p:nvSpPr>
-          <p:cNvPr id="81" name=""/>
-          <p:cNvSpPr/>
+      </p:cxnSp>
+      <p:sp>
+        <p:nvSpPr>
+          <p:cNvPr id="62" name=""/>
+          <p:cNvSpPr txBox="1"/>
           <p:nvPr/>
         </p:nvSpPr>
         <p:spPr>
           <a:xfrm>
-            <a:off x="4017851" y="5476335"/>
-            <a:ext cx="1808788" cy="1224972"/>
+            <a:off x="6741716" y="4511277"/>
+            <a:ext cx="4990706" cy="909320"/>
           </a:xfrm>
           <a:prstGeom prst="rect">
             <a:avLst/>
           </a:prstGeom>
         </p:spPr>
+        <p:txBody>
+          <a:bodyPr wrap="square">
+            <a:spAutoFit/>
+          </a:bodyPr>
+          <a:lstStyle/>
+          <a:p>
+            <a:pPr>
+              <a:defRPr/>
+            </a:pPr>
+            <a:r>
+              <a:rPr lang="en-US" altLang="ko-KR"/>
+              <a:t>3.</a:t>
+            </a:r>
+            <a:r>
+              <a:rPr lang="ko-KR" altLang="en-US"/>
+              <a:t> 알고리즘 실행중에 교체를 위한 함수</a:t>
+            </a:r>
+            <a:endParaRPr lang="ko-KR" altLang="en-US"/>
+          </a:p>
+          <a:p>
+            <a:pPr>
+              <a:defRPr/>
+            </a:pPr>
+            <a:endParaRPr lang="ko-KR" altLang="en-US"/>
+          </a:p>
+          <a:p>
+            <a:pPr>
+              <a:defRPr/>
+            </a:pPr>
+            <a:r>
+              <a:rPr lang="en-US" altLang="ko-KR"/>
+              <a:t>(</a:t>
+            </a:r>
+            <a:r>
+              <a:rPr lang="ko-KR" altLang="en-US"/>
+              <a:t>이전 </a:t>
+            </a:r>
+            <a:r>
+              <a:rPr lang="en-US" altLang="ko-KR"/>
+              <a:t>ppt slide</a:t>
+            </a:r>
+            <a:r>
+              <a:rPr lang="ko-KR" altLang="en-US"/>
+              <a:t>에 구현체 </a:t>
+            </a:r>
+            <a:r>
+              <a:rPr lang="en-US" altLang="ko-KR"/>
+              <a:t>class</a:t>
+            </a:r>
+            <a:r>
+              <a:rPr lang="ko-KR" altLang="en-US"/>
+              <a:t>들을 대입한다</a:t>
+            </a:r>
+            <a:r>
+              <a:rPr lang="en-US" altLang="ko-KR"/>
+              <a:t>)</a:t>
+            </a:r>
+            <a:r>
+              <a:rPr lang="ko-KR" altLang="en-US"/>
+              <a:t> </a:t>
+            </a:r>
+            <a:endParaRPr lang="ko-KR" altLang="en-US"/>
+          </a:p>
+        </p:txBody>
+      </p:sp>
+      <p:cxnSp>
+        <p:nvCxnSpPr>
+          <p:cNvPr id="64" name=""/>
+          <p:cNvCxnSpPr/>
+          <p:nvPr/>
+        </p:nvCxnSpPr>
+        <p:spPr>
+          <a:xfrm>
+            <a:off x="2432952" y="1960941"/>
+            <a:ext cx="4040079" cy="19465"/>
+          </a:xfrm>
+          <a:prstGeom prst="bentConnector3">
+            <a:avLst>
+              <a:gd name="adj1" fmla="val 50000"/>
+            </a:avLst>
+          </a:prstGeom>
+          <a:ln w="88900">
+            <a:solidFill>
+              <a:schemeClr val="accent1"/>
+            </a:solidFill>
+            <a:tailEnd type="arrow"/>
+          </a:ln>
+        </p:spPr>
         <p:style>
-          <a:lnRef idx="2">
-            <a:schemeClr val="accent1">
-              <a:shade val="20000"/>
-            </a:schemeClr>
+          <a:lnRef idx="1">
+            <a:schemeClr val="accent1"/>
           </a:lnRef>
-          <a:fillRef idx="1">
+          <a:fillRef idx="0">
             <a:schemeClr val="accent1"/>
           </a:fillRef>
           <a:effectRef idx="0">
             <a:schemeClr val="accent1"/>
           </a:effectRef>
           <a:fontRef idx="minor">
-            <a:schemeClr val="lt1"/>
+            <a:schemeClr val="tx1"/>
           </a:fontRef>
         </p:style>
-        <p:txBody>
-          <a:bodyPr anchor="ctr"/>
-          <a:lstStyle/>
-          <a:p>
-            <a:pPr algn="ctr">
-              <a:defRPr/>
-            </a:pPr>
-            <a:r>
-              <a:rPr lang="ko-KR" altLang="en-US" sz="1500"/>
-              <a:t>해결실패시</a:t>
-            </a:r>
-            <a:endParaRPr lang="ko-KR" altLang="en-US" sz="1500"/>
-          </a:p>
-          <a:p>
-            <a:pPr algn="ctr">
-              <a:defRPr/>
-            </a:pPr>
-            <a:r>
-              <a:rPr lang="ko-KR" altLang="en-US" sz="1500"/>
-              <a:t>시도했던 내용을 들고 질문</a:t>
-            </a:r>
-            <a:endParaRPr lang="ko-KR" altLang="en-US" sz="1500"/>
+      </p:cxnSp>
+      <p:sp>
+        <p:nvSpPr>
+          <p:cNvPr id="65" name=""/>
+          <p:cNvSpPr txBox="1"/>
+          <p:nvPr/>
+        </p:nvSpPr>
+        <p:spPr>
+          <a:xfrm>
+            <a:off x="6539706" y="1808956"/>
+            <a:ext cx="4266408" cy="361633"/>
+          </a:xfrm>
+          <a:prstGeom prst="rect">
+            <a:avLst/>
+          </a:prstGeom>
+        </p:spPr>
+        <p:txBody>
+          <a:bodyPr wrap="square">
+            <a:spAutoFit/>
+          </a:bodyPr>
+          <a:lstStyle/>
+          <a:p>
+            <a:pPr>
+              <a:defRPr/>
+            </a:pPr>
+            <a:r>
+              <a:rPr lang="en-US" altLang="ko-KR"/>
+              <a:t>0..</a:t>
+            </a:r>
+            <a:r>
+              <a:rPr lang="ko-KR" altLang="en-US"/>
+              <a:t> 전략패턴을 적용할 모 추상 객체</a:t>
+            </a:r>
+            <a:endParaRPr lang="ko-KR" altLang="en-US"/>
           </a:p>
         </p:txBody>
       </p:sp>
@@ -6196,127 +6106,65 @@
           <a:chExt cx="0" cy="0"/>
         </a:xfrm>
       </p:grpSpPr>
-      <p:grpSp>
-        <p:nvGrpSpPr>
-          <p:cNvPr id="2" name="그룹 1"/>
-          <p:cNvGrpSpPr/>
+      <p:sp>
+        <p:nvSpPr>
+          <p:cNvPr id="13" name="TextBox 12"/>
+          <p:cNvSpPr txBox="1"/>
           <p:nvPr/>
-        </p:nvGrpSpPr>
-        <p:grpSpPr>
-          <a:xfrm rot="0">
-            <a:off x="281938" y="85117"/>
-            <a:ext cx="10801352" cy="408278"/>
-            <a:chOff x="281938" y="85117"/>
-            <a:chExt cx="10801352" cy="408278"/>
-          </a:xfrm>
-        </p:grpSpPr>
-        <p:sp>
-          <p:nvSpPr>
-            <p:cNvPr id="13" name="TextBox 12"/>
-            <p:cNvSpPr txBox="1"/>
-            <p:nvPr/>
-          </p:nvSpPr>
-          <p:spPr>
-            <a:xfrm>
-              <a:off x="281938" y="101138"/>
-              <a:ext cx="2028827" cy="392257"/>
-            </a:xfrm>
-            <a:prstGeom prst="rect">
-              <a:avLst/>
-            </a:prstGeom>
-            <a:noFill/>
-          </p:spPr>
-          <p:txBody>
-            <a:bodyPr wrap="none">
-              <a:spAutoFit/>
-            </a:bodyPr>
-            <a:lstStyle/>
-            <a:p>
-              <a:pPr lvl="0">
-                <a:defRPr/>
-              </a:pPr>
-              <a:r>
-                <a:rPr lang="en-US" altLang="ko-KR" sz="2000" b="1">
-                  <a:latin typeface="KoPubWorld돋움체 Bold"/>
-                  <a:ea typeface="KoPubWorld돋움체 Bold"/>
-                  <a:cs typeface="KoPubWorld돋움체 Bold"/>
-                </a:rPr>
-                <a:t>3.</a:t>
-              </a:r>
-              <a:r>
-                <a:rPr lang="ko-KR" altLang="en-US" sz="2000" b="1">
-                  <a:latin typeface="KoPubWorld돋움체 Bold"/>
-                  <a:ea typeface="KoPubWorld돋움체 Bold"/>
-                  <a:cs typeface="KoPubWorld돋움체 Bold"/>
-                </a:rPr>
-                <a:t> 프로젝트 회고</a:t>
-              </a:r>
-              <a:endParaRPr lang="ko-KR" altLang="en-US" sz="2000" b="1">
+        </p:nvSpPr>
+        <p:spPr>
+          <a:xfrm>
+            <a:off x="281938" y="101138"/>
+            <a:ext cx="1466852" cy="392257"/>
+          </a:xfrm>
+          <a:prstGeom prst="rect">
+            <a:avLst/>
+          </a:prstGeom>
+          <a:noFill/>
+        </p:spPr>
+        <p:txBody>
+          <a:bodyPr wrap="none">
+            <a:spAutoFit/>
+          </a:bodyPr>
+          <a:lstStyle/>
+          <a:p>
+            <a:pPr lvl="0">
+              <a:defRPr/>
+            </a:pPr>
+            <a:r>
+              <a:rPr lang="en-US" altLang="ko-KR" sz="2000" b="1">
                 <a:latin typeface="KoPubWorld돋움체 Bold"/>
                 <a:ea typeface="KoPubWorld돋움체 Bold"/>
                 <a:cs typeface="KoPubWorld돋움체 Bold"/>
-              </a:endParaRPr>
-            </a:p>
-          </p:txBody>
-        </p:sp>
-        <p:sp>
-          <p:nvSpPr>
-            <p:cNvPr id="14" name="TextBox 13"/>
-            <p:cNvSpPr txBox="1"/>
-            <p:nvPr/>
-          </p:nvSpPr>
-          <p:spPr>
-            <a:xfrm>
-              <a:off x="9450648" y="85117"/>
-              <a:ext cx="1632642" cy="369332"/>
-            </a:xfrm>
-            <a:prstGeom prst="rect">
-              <a:avLst/>
-            </a:prstGeom>
-            <a:noFill/>
-          </p:spPr>
-          <p:txBody>
-            <a:bodyPr wrap="none">
-              <a:spAutoFit/>
-            </a:bodyPr>
-            <a:lstStyle/>
-            <a:p>
-              <a:pPr lvl="0">
-                <a:defRPr/>
-              </a:pPr>
-              <a:r>
-                <a:rPr lang="en-US" altLang="ko-KR">
-                  <a:solidFill>
-                    <a:schemeClr val="bg1"/>
-                  </a:solidFill>
-                  <a:latin typeface="KoPubWorld돋움체 Bold"/>
-                  <a:ea typeface="KoPubWorld돋움체 Bold"/>
-                  <a:cs typeface="KoPubWorld돋움체 Bold"/>
-                </a:rPr>
-                <a:t>Error_Logging</a:t>
-              </a:r>
-              <a:endParaRPr lang="en-US" altLang="ko-KR">
-                <a:solidFill>
-                  <a:schemeClr val="bg1"/>
-                </a:solidFill>
+              </a:rPr>
+              <a:t>2.</a:t>
+            </a:r>
+            <a:r>
+              <a:rPr lang="ko-KR" altLang="en-US" sz="2000" b="1">
                 <a:latin typeface="KoPubWorld돋움체 Bold"/>
                 <a:ea typeface="KoPubWorld돋움체 Bold"/>
                 <a:cs typeface="KoPubWorld돋움체 Bold"/>
-              </a:endParaRPr>
-            </a:p>
-          </p:txBody>
-        </p:sp>
-      </p:grpSp>
-      <p:sp>
-        <p:nvSpPr>
-          <p:cNvPr id="35" name="직사각형 15"/>
+              </a:rPr>
+              <a:t> 전략패턴</a:t>
+            </a:r>
+            <a:endParaRPr lang="ko-KR" altLang="en-US" sz="2000" b="1">
+              <a:latin typeface="KoPubWorld돋움체 Bold"/>
+              <a:ea typeface="KoPubWorld돋움체 Bold"/>
+              <a:cs typeface="KoPubWorld돋움체 Bold"/>
+            </a:endParaRPr>
+          </a:p>
+        </p:txBody>
+      </p:sp>
+      <p:sp>
+        <p:nvSpPr>
+          <p:cNvPr id="16" name="직사각형 15"/>
           <p:cNvSpPr/>
           <p:nvPr/>
         </p:nvSpPr>
         <p:spPr>
           <a:xfrm>
-            <a:off x="286837" y="720074"/>
-            <a:ext cx="6778956" cy="640096"/>
+            <a:off x="236831" y="711342"/>
+            <a:ext cx="5315954" cy="640096"/>
           </a:xfrm>
           <a:prstGeom prst="rect">
             <a:avLst/>
@@ -6337,7 +6185,7 @@
                 <a:ea typeface="KoPubWorld돋움체 Bold"/>
                 <a:cs typeface="KoPubWorld돋움체 Bold"/>
               </a:rPr>
-              <a:t>프로젝트 회고 </a:t>
+              <a:t>전략 패턴이란</a:t>
             </a:r>
             <a:endParaRPr lang="ko-KR" altLang="en-US" sz="3600" b="1">
               <a:latin typeface="KoPubWorld돋움체 Bold"/>
@@ -6347,188 +6195,981 @@
           </a:p>
         </p:txBody>
       </p:sp>
-      <p:sp>
-        <p:nvSpPr>
-          <p:cNvPr id="62" name=""/>
-          <p:cNvSpPr txBox="1"/>
+      <p:pic>
+        <p:nvPicPr>
+          <p:cNvPr id="64" name=""/>
+          <p:cNvPicPr>
+            <a:picLocks noChangeAspect="1"/>
+          </p:cNvPicPr>
           <p:nvPr/>
-        </p:nvSpPr>
-        <p:spPr>
-          <a:xfrm>
-            <a:off x="302778" y="1899731"/>
-            <a:ext cx="11027064" cy="3518089"/>
+        </p:nvPicPr>
+        <p:blipFill rotWithShape="1">
+          <a:blip r:embed="rId2"/>
+          <a:stretch>
+            <a:fillRect/>
+          </a:stretch>
+        </p:blipFill>
+        <p:spPr>
+          <a:xfrm>
+            <a:off x="396875" y="1707510"/>
+            <a:ext cx="11150202" cy="2450791"/>
           </a:xfrm>
           <a:prstGeom prst="rect">
             <a:avLst/>
           </a:prstGeom>
         </p:spPr>
+      </p:pic>
+      <p:sp>
+        <p:nvSpPr>
+          <p:cNvPr id="65" name=""/>
+          <p:cNvSpPr/>
+          <p:nvPr/>
+        </p:nvSpPr>
+        <p:spPr>
+          <a:xfrm>
+            <a:off x="3720727" y="2445796"/>
+            <a:ext cx="3322324" cy="739630"/>
+          </a:xfrm>
+          <a:prstGeom prst="round2DiagRect">
+            <a:avLst>
+              <a:gd name="adj1" fmla="val 16667"/>
+              <a:gd name="adj2" fmla="val 0"/>
+            </a:avLst>
+          </a:prstGeom>
+          <a:noFill/>
+          <a:ln w="50800">
+            <a:solidFill>
+              <a:schemeClr val="accent1"/>
+            </a:solidFill>
+          </a:ln>
+        </p:spPr>
+        <p:style>
+          <a:lnRef idx="2">
+            <a:schemeClr val="accent1">
+              <a:shade val="20000"/>
+            </a:schemeClr>
+          </a:lnRef>
+          <a:fillRef idx="1">
+            <a:schemeClr val="accent1"/>
+          </a:fillRef>
+          <a:effectRef idx="0">
+            <a:schemeClr val="accent1"/>
+          </a:effectRef>
+          <a:fontRef idx="minor">
+            <a:schemeClr val="lt1"/>
+          </a:fontRef>
+        </p:style>
+        <p:txBody>
+          <a:bodyPr anchor="ctr"/>
+          <a:lstStyle/>
+          <a:p>
+            <a:pPr algn="ctr">
+              <a:defRPr/>
+            </a:pPr>
+            <a:endParaRPr lang="ko-KR" altLang="en-US"/>
+          </a:p>
+        </p:txBody>
+      </p:sp>
+      <p:sp>
+        <p:nvSpPr>
+          <p:cNvPr id="66" name=""/>
+          <p:cNvSpPr/>
+          <p:nvPr/>
+        </p:nvSpPr>
+        <p:spPr>
+          <a:xfrm>
+            <a:off x="440157" y="3726656"/>
+            <a:ext cx="3322324" cy="441973"/>
+          </a:xfrm>
+          <a:prstGeom prst="round2DiagRect">
+            <a:avLst>
+              <a:gd name="adj1" fmla="val 16667"/>
+              <a:gd name="adj2" fmla="val 0"/>
+            </a:avLst>
+          </a:prstGeom>
+          <a:noFill/>
+          <a:ln w="50800">
+            <a:solidFill>
+              <a:schemeClr val="accent1"/>
+            </a:solidFill>
+          </a:ln>
+        </p:spPr>
+        <p:style>
+          <a:lnRef idx="2">
+            <a:schemeClr val="accent1">
+              <a:shade val="20000"/>
+            </a:schemeClr>
+          </a:lnRef>
+          <a:fillRef idx="1">
+            <a:schemeClr val="accent1"/>
+          </a:fillRef>
+          <a:effectRef idx="0">
+            <a:schemeClr val="accent1"/>
+          </a:effectRef>
+          <a:fontRef idx="minor">
+            <a:schemeClr val="lt1"/>
+          </a:fontRef>
+        </p:style>
+        <p:txBody>
+          <a:bodyPr anchor="ctr"/>
+          <a:lstStyle/>
+          <a:p>
+            <a:pPr algn="ctr">
+              <a:defRPr/>
+            </a:pPr>
+            <a:endParaRPr lang="ko-KR" altLang="en-US"/>
+          </a:p>
+        </p:txBody>
+      </p:sp>
+      <p:cxnSp>
+        <p:nvCxnSpPr>
+          <p:cNvPr id="67" name=""/>
+          <p:cNvCxnSpPr/>
+          <p:nvPr/>
+        </p:nvCxnSpPr>
+        <p:spPr>
+          <a:xfrm rot="16200000" flipH="1">
+            <a:off x="4106665" y="4356696"/>
+            <a:ext cx="2192737" cy="19839"/>
+          </a:xfrm>
+          <a:prstGeom prst="bentConnector3">
+            <a:avLst>
+              <a:gd name="adj1" fmla="val 50000"/>
+            </a:avLst>
+          </a:prstGeom>
+          <a:ln w="88900">
+            <a:solidFill>
+              <a:schemeClr val="accent1"/>
+            </a:solidFill>
+            <a:tailEnd type="arrow"/>
+          </a:ln>
+        </p:spPr>
+        <p:style>
+          <a:lnRef idx="1">
+            <a:schemeClr val="accent1"/>
+          </a:lnRef>
+          <a:fillRef idx="0">
+            <a:schemeClr val="accent1"/>
+          </a:fillRef>
+          <a:effectRef idx="0">
+            <a:schemeClr val="accent1"/>
+          </a:effectRef>
+          <a:fontRef idx="minor">
+            <a:schemeClr val="tx1"/>
+          </a:fontRef>
+        </p:style>
+      </p:cxnSp>
+      <p:sp>
+        <p:nvSpPr>
+          <p:cNvPr id="68" name=""/>
+          <p:cNvSpPr txBox="1"/>
+          <p:nvPr/>
+        </p:nvSpPr>
+        <p:spPr>
+          <a:xfrm>
+            <a:off x="4498578" y="5542359"/>
+            <a:ext cx="7362030" cy="361633"/>
+          </a:xfrm>
+          <a:prstGeom prst="rect">
+            <a:avLst/>
+          </a:prstGeom>
+        </p:spPr>
         <p:txBody>
           <a:bodyPr wrap="square">
             <a:spAutoFit/>
           </a:bodyPr>
-          <a:lstStyle/>
-          <a:p>
-            <a:pPr marL="357000" indent="-357000">
-              <a:buFont typeface="Arial"/>
-              <a:buChar char="•"/>
-              <a:defRPr/>
-            </a:pPr>
-            <a:r>
-              <a:rPr lang="ko-KR" altLang="en-US" sz="2500"/>
-              <a:t>프로젝트에 추가 혹은 공부하고 싶은 내용</a:t>
-            </a:r>
-            <a:endParaRPr lang="ko-KR" altLang="en-US" sz="2500"/>
-          </a:p>
           <a:p>
             <a:pPr>
               <a:defRPr/>
             </a:pPr>
-            <a:endParaRPr lang="ko-KR" altLang="en-US" sz="2500"/>
-          </a:p>
-          <a:p>
-            <a:pPr>
-              <a:defRPr/>
-            </a:pPr>
-            <a:r>
-              <a:rPr lang="ko-KR" altLang="en-US" sz="2500"/>
-              <a:t>    </a:t>
-            </a:r>
-            <a:r>
-              <a:rPr lang="en-US" altLang="ko-KR" sz="2500"/>
-              <a:t>-</a:t>
-            </a:r>
-            <a:r>
-              <a:rPr lang="ko-KR" altLang="en-US" sz="2500"/>
-              <a:t> 마이페이지 기능</a:t>
-            </a:r>
-            <a:endParaRPr lang="ko-KR" altLang="en-US" sz="2500"/>
-          </a:p>
-          <a:p>
-            <a:pPr>
-              <a:defRPr/>
-            </a:pPr>
-            <a:r>
-              <a:rPr lang="ko-KR" altLang="en-US" sz="2500"/>
-              <a:t>    </a:t>
-            </a:r>
-            <a:r>
-              <a:rPr lang="en-US" altLang="ko-KR" sz="2500"/>
-              <a:t>-</a:t>
-            </a:r>
-            <a:r>
-              <a:rPr lang="ko-KR" altLang="en-US" sz="2500"/>
-              <a:t> 게시글 댓글 기능</a:t>
-            </a:r>
-            <a:endParaRPr lang="ko-KR" altLang="en-US" sz="2500"/>
-          </a:p>
-          <a:p>
-            <a:pPr>
-              <a:defRPr/>
-            </a:pPr>
-            <a:r>
-              <a:rPr lang="ko-KR" altLang="en-US" sz="2500"/>
-              <a:t>    </a:t>
-            </a:r>
-            <a:r>
-              <a:rPr lang="en-US" altLang="ko-KR" sz="2500"/>
-              <a:t>-</a:t>
-            </a:r>
-            <a:r>
-              <a:rPr lang="ko-KR" altLang="en-US" sz="2500"/>
-              <a:t> 다중이미지 처리 기능</a:t>
-            </a:r>
-            <a:endParaRPr lang="ko-KR" altLang="en-US" sz="2500"/>
-          </a:p>
-          <a:p>
-            <a:pPr>
-              <a:defRPr/>
-            </a:pPr>
-            <a:r>
-              <a:rPr lang="ko-KR" altLang="en-US" sz="2500"/>
-              <a:t>    </a:t>
-            </a:r>
-            <a:r>
-              <a:rPr lang="en-US" altLang="ko-KR" sz="2500"/>
-              <a:t>-</a:t>
-            </a:r>
-            <a:r>
-              <a:rPr lang="ko-KR" altLang="en-US" sz="2500"/>
-              <a:t> 게시글 검색 기능</a:t>
-            </a:r>
-            <a:endParaRPr lang="ko-KR" altLang="en-US" sz="2500"/>
-          </a:p>
-          <a:p>
-            <a:pPr>
-              <a:defRPr/>
-            </a:pPr>
-            <a:r>
-              <a:rPr lang="ko-KR" altLang="en-US" sz="2500"/>
-              <a:t>    </a:t>
-            </a:r>
-            <a:endParaRPr lang="ko-KR" altLang="en-US" sz="2500"/>
-          </a:p>
-          <a:p>
-            <a:pPr>
-              <a:defRPr/>
-            </a:pPr>
-            <a:r>
-              <a:rPr lang="ko-KR" altLang="en-US" sz="2500"/>
-              <a:t>    </a:t>
-            </a:r>
-            <a:r>
-              <a:rPr lang="en-US" altLang="ko-KR" sz="2500"/>
-              <a:t>-</a:t>
-            </a:r>
-            <a:r>
-              <a:rPr lang="ko-KR" altLang="en-US" sz="2500"/>
-              <a:t> 소셜 로그인 기능</a:t>
-            </a:r>
-            <a:endParaRPr lang="ko-KR" altLang="en-US" sz="2500"/>
-          </a:p>
-          <a:p>
-            <a:pPr>
-              <a:defRPr/>
-            </a:pPr>
-            <a:r>
-              <a:rPr lang="ko-KR" altLang="en-US" sz="2500"/>
-              <a:t>    </a:t>
-            </a:r>
-            <a:r>
-              <a:rPr lang="en-US" altLang="ko-KR" sz="2500"/>
-              <a:t>-</a:t>
-            </a:r>
-            <a:r>
-              <a:rPr lang="ko-KR" altLang="en-US" sz="2500"/>
-              <a:t> 중복로그인 막기 기능</a:t>
-            </a:r>
-            <a:endParaRPr lang="ko-KR" altLang="en-US" sz="2500"/>
-          </a:p>
-        </p:txBody>
-      </p:sp>
-      <p:sp>
-        <p:nvSpPr>
-          <p:cNvPr id="74" name=""/>
+            <a:r>
+              <a:rPr lang="ko-KR" altLang="en-US"/>
+              <a:t>기본 </a:t>
+            </a:r>
+            <a:r>
+              <a:rPr lang="en-US" altLang="ko-KR"/>
+              <a:t>interface </a:t>
+            </a:r>
+            <a:r>
+              <a:rPr lang="ko-KR" altLang="en-US"/>
+              <a:t>구현체 함수 실행 후</a:t>
+            </a:r>
+            <a:r>
+              <a:rPr lang="en-US" altLang="ko-KR"/>
+              <a:t>,</a:t>
+            </a:r>
+            <a:r>
+              <a:rPr lang="ko-KR" altLang="en-US"/>
+              <a:t> 알고리즘 교체 후 다시 함수 실행</a:t>
+            </a:r>
+            <a:endParaRPr lang="ko-KR" altLang="en-US"/>
+          </a:p>
+        </p:txBody>
+      </p:sp>
+    </p:spTree>
+  </p:cSld>
+  <p:clrMapOvr>
+    <a:masterClrMapping/>
+  </p:clrMapOvr>
+  <mc:AlternateContent xmlns:mc="http://schemas.openxmlformats.org/markup-compatibility/2006">
+    <mc:Choice xmlns:p14="http://schemas.microsoft.com/office/powerpoint/2010/main" Requires="p14">
+      <p:transition xmlns:mc="http://schemas.openxmlformats.org/markup-compatibility/2006" xmlns:p14="http://schemas.microsoft.com/office/powerpoint/2010/main" mc:Ignorable="p14" p14:dur="500"/>
+    </mc:Choice>
+    <mc:Fallback>
+      <p:transition/>
+    </mc:Fallback>
+  </mc:AlternateContent>
+</p:sld>
+</file>
+
+<file path=ppt/slides/slide8.xml><?xml version="1.0" encoding="utf-8"?>
+<p:sld xmlns:r="http://schemas.openxmlformats.org/officeDocument/2006/relationships" xmlns:c="http://schemas.openxmlformats.org/drawingml/2006/chart" xmlns:a="http://schemas.openxmlformats.org/drawingml/2006/main" xmlns:dgm="http://schemas.openxmlformats.org/drawingml/2006/diagram" xmlns:dsp="http://schemas.microsoft.com/office/drawing/2008/diagram" xmlns:p="http://schemas.openxmlformats.org/presentationml/2006/main">
+  <p:cSld>
+    <p:spTree>
+      <p:nvGrpSpPr>
+        <p:cNvPr id="1" name=""/>
+        <p:cNvGrpSpPr/>
+        <p:nvPr/>
+      </p:nvGrpSpPr>
+      <p:grpSpPr>
+        <a:xfrm>
+          <a:off x="0" y="0"/>
+          <a:ext cx="0" cy="0"/>
+          <a:chOff x="0" y="0"/>
+          <a:chExt cx="0" cy="0"/>
+        </a:xfrm>
+      </p:grpSpPr>
+      <p:sp>
+        <p:nvSpPr>
+          <p:cNvPr id="13" name="TextBox 12"/>
           <p:cNvSpPr txBox="1"/>
           <p:nvPr/>
         </p:nvSpPr>
         <p:spPr>
           <a:xfrm>
-            <a:off x="472401" y="2659302"/>
-            <a:ext cx="7389090" cy="358987"/>
+            <a:off x="281938" y="101138"/>
+            <a:ext cx="1466852" cy="392257"/>
           </a:xfrm>
           <a:prstGeom prst="rect">
             <a:avLst/>
           </a:prstGeom>
+          <a:noFill/>
+        </p:spPr>
+        <p:txBody>
+          <a:bodyPr wrap="none">
+            <a:spAutoFit/>
+          </a:bodyPr>
+          <a:lstStyle/>
+          <a:p>
+            <a:pPr lvl="0">
+              <a:defRPr/>
+            </a:pPr>
+            <a:r>
+              <a:rPr lang="en-US" altLang="ko-KR" sz="2000" b="1">
+                <a:latin typeface="KoPubWorld돋움체 Bold"/>
+                <a:ea typeface="KoPubWorld돋움체 Bold"/>
+                <a:cs typeface="KoPubWorld돋움체 Bold"/>
+              </a:rPr>
+              <a:t>2.</a:t>
+            </a:r>
+            <a:r>
+              <a:rPr lang="ko-KR" altLang="en-US" sz="2000" b="1">
+                <a:latin typeface="KoPubWorld돋움체 Bold"/>
+                <a:ea typeface="KoPubWorld돋움체 Bold"/>
+                <a:cs typeface="KoPubWorld돋움체 Bold"/>
+              </a:rPr>
+              <a:t> 전략패턴</a:t>
+            </a:r>
+            <a:endParaRPr lang="ko-KR" altLang="en-US" sz="2000" b="1">
+              <a:latin typeface="KoPubWorld돋움체 Bold"/>
+              <a:ea typeface="KoPubWorld돋움체 Bold"/>
+              <a:cs typeface="KoPubWorld돋움체 Bold"/>
+            </a:endParaRPr>
+          </a:p>
+        </p:txBody>
+      </p:sp>
+      <p:sp>
+        <p:nvSpPr>
+          <p:cNvPr id="16" name="직사각형 15"/>
+          <p:cNvSpPr/>
+          <p:nvPr/>
+        </p:nvSpPr>
+        <p:spPr>
+          <a:xfrm>
+            <a:off x="236831" y="711342"/>
+            <a:ext cx="5315954" cy="640096"/>
+          </a:xfrm>
+          <a:prstGeom prst="rect">
+            <a:avLst/>
+          </a:prstGeom>
         </p:spPr>
         <p:txBody>
           <a:bodyPr wrap="square">
             <a:spAutoFit/>
           </a:bodyPr>
+          <a:lstStyle/>
           <a:p>
             <a:pPr>
               <a:defRPr/>
             </a:pPr>
+            <a:r>
+              <a:rPr lang="ko-KR" altLang="en-US" sz="3600" b="1">
+                <a:latin typeface="KoPubWorld돋움체 Bold"/>
+                <a:ea typeface="KoPubWorld돋움체 Bold"/>
+                <a:cs typeface="KoPubWorld돋움체 Bold"/>
+              </a:rPr>
+              <a:t>전략 패턴이란</a:t>
+            </a:r>
+            <a:endParaRPr lang="ko-KR" altLang="en-US" sz="3600" b="1">
+              <a:latin typeface="KoPubWorld돋움체 Bold"/>
+              <a:ea typeface="KoPubWorld돋움체 Bold"/>
+              <a:cs typeface="KoPubWorld돋움체 Bold"/>
+            </a:endParaRPr>
+          </a:p>
+        </p:txBody>
+      </p:sp>
+      <p:pic>
+        <p:nvPicPr>
+          <p:cNvPr id="64" name=""/>
+          <p:cNvPicPr>
+            <a:picLocks noChangeAspect="1"/>
+          </p:cNvPicPr>
+          <p:nvPr/>
+        </p:nvPicPr>
+        <p:blipFill rotWithShape="1">
+          <a:blip r:embed="rId2"/>
+          <a:stretch>
+            <a:fillRect/>
+          </a:stretch>
+        </p:blipFill>
+        <p:spPr>
+          <a:xfrm>
+            <a:off x="396875" y="1707510"/>
+            <a:ext cx="11150202" cy="2450791"/>
+          </a:xfrm>
+          <a:prstGeom prst="rect">
+            <a:avLst/>
+          </a:prstGeom>
+        </p:spPr>
+      </p:pic>
+      <p:sp>
+        <p:nvSpPr>
+          <p:cNvPr id="65" name=""/>
+          <p:cNvSpPr/>
+          <p:nvPr/>
+        </p:nvSpPr>
+        <p:spPr>
+          <a:xfrm>
+            <a:off x="3720727" y="2445796"/>
+            <a:ext cx="3322324" cy="739630"/>
+          </a:xfrm>
+          <a:prstGeom prst="round2DiagRect">
+            <a:avLst>
+              <a:gd name="adj1" fmla="val 16667"/>
+              <a:gd name="adj2" fmla="val 0"/>
+            </a:avLst>
+          </a:prstGeom>
+          <a:noFill/>
+          <a:ln w="50800">
+            <a:solidFill>
+              <a:schemeClr val="accent1"/>
+            </a:solidFill>
+          </a:ln>
+        </p:spPr>
+        <p:style>
+          <a:lnRef idx="2">
+            <a:schemeClr val="accent1">
+              <a:shade val="20000"/>
+            </a:schemeClr>
+          </a:lnRef>
+          <a:fillRef idx="1">
+            <a:schemeClr val="accent1"/>
+          </a:fillRef>
+          <a:effectRef idx="0">
+            <a:schemeClr val="accent1"/>
+          </a:effectRef>
+          <a:fontRef idx="minor">
+            <a:schemeClr val="lt1"/>
+          </a:fontRef>
+        </p:style>
+        <p:txBody>
+          <a:bodyPr anchor="ctr"/>
+          <a:lstStyle/>
+          <a:p>
+            <a:pPr algn="ctr">
+              <a:defRPr/>
+            </a:pPr>
             <a:endParaRPr lang="ko-KR" altLang="en-US"/>
+          </a:p>
+        </p:txBody>
+      </p:sp>
+      <p:sp>
+        <p:nvSpPr>
+          <p:cNvPr id="66" name=""/>
+          <p:cNvSpPr/>
+          <p:nvPr/>
+        </p:nvSpPr>
+        <p:spPr>
+          <a:xfrm>
+            <a:off x="440157" y="3726656"/>
+            <a:ext cx="3322324" cy="441973"/>
+          </a:xfrm>
+          <a:prstGeom prst="round2DiagRect">
+            <a:avLst>
+              <a:gd name="adj1" fmla="val 16667"/>
+              <a:gd name="adj2" fmla="val 0"/>
+            </a:avLst>
+          </a:prstGeom>
+          <a:noFill/>
+          <a:ln w="50800">
+            <a:solidFill>
+              <a:schemeClr val="accent1"/>
+            </a:solidFill>
+          </a:ln>
+        </p:spPr>
+        <p:style>
+          <a:lnRef idx="2">
+            <a:schemeClr val="accent1">
+              <a:shade val="20000"/>
+            </a:schemeClr>
+          </a:lnRef>
+          <a:fillRef idx="1">
+            <a:schemeClr val="accent1"/>
+          </a:fillRef>
+          <a:effectRef idx="0">
+            <a:schemeClr val="accent1"/>
+          </a:effectRef>
+          <a:fontRef idx="minor">
+            <a:schemeClr val="lt1"/>
+          </a:fontRef>
+        </p:style>
+        <p:txBody>
+          <a:bodyPr anchor="ctr"/>
+          <a:lstStyle/>
+          <a:p>
+            <a:pPr algn="ctr">
+              <a:defRPr/>
+            </a:pPr>
+            <a:endParaRPr lang="ko-KR" altLang="en-US"/>
+          </a:p>
+        </p:txBody>
+      </p:sp>
+      <p:cxnSp>
+        <p:nvCxnSpPr>
+          <p:cNvPr id="67" name=""/>
+          <p:cNvCxnSpPr/>
+          <p:nvPr/>
+        </p:nvCxnSpPr>
+        <p:spPr>
+          <a:xfrm rot="16200000" flipH="1">
+            <a:off x="4106665" y="4356696"/>
+            <a:ext cx="2192737" cy="19839"/>
+          </a:xfrm>
+          <a:prstGeom prst="bentConnector3">
+            <a:avLst>
+              <a:gd name="adj1" fmla="val 50000"/>
+            </a:avLst>
+          </a:prstGeom>
+          <a:ln w="88900">
+            <a:solidFill>
+              <a:schemeClr val="accent1"/>
+            </a:solidFill>
+            <a:tailEnd type="arrow"/>
+          </a:ln>
+        </p:spPr>
+        <p:style>
+          <a:lnRef idx="1">
+            <a:schemeClr val="accent1"/>
+          </a:lnRef>
+          <a:fillRef idx="0">
+            <a:schemeClr val="accent1"/>
+          </a:fillRef>
+          <a:effectRef idx="0">
+            <a:schemeClr val="accent1"/>
+          </a:effectRef>
+          <a:fontRef idx="minor">
+            <a:schemeClr val="tx1"/>
+          </a:fontRef>
+        </p:style>
+      </p:cxnSp>
+      <p:sp>
+        <p:nvSpPr>
+          <p:cNvPr id="68" name=""/>
+          <p:cNvSpPr txBox="1"/>
+          <p:nvPr/>
+        </p:nvSpPr>
+        <p:spPr>
+          <a:xfrm>
+            <a:off x="4498578" y="5542359"/>
+            <a:ext cx="7362030" cy="361633"/>
+          </a:xfrm>
+          <a:prstGeom prst="rect">
+            <a:avLst/>
+          </a:prstGeom>
+        </p:spPr>
+        <p:txBody>
+          <a:bodyPr wrap="square">
+            <a:spAutoFit/>
+          </a:bodyPr>
+          <a:p>
+            <a:pPr>
+              <a:defRPr/>
+            </a:pPr>
+            <a:r>
+              <a:rPr lang="ko-KR" altLang="en-US"/>
+              <a:t>기본 </a:t>
+            </a:r>
+            <a:r>
+              <a:rPr lang="en-US" altLang="ko-KR"/>
+              <a:t>interface </a:t>
+            </a:r>
+            <a:r>
+              <a:rPr lang="ko-KR" altLang="en-US"/>
+              <a:t>구현체 함수 실행 후</a:t>
+            </a:r>
+            <a:r>
+              <a:rPr lang="en-US" altLang="ko-KR"/>
+              <a:t>,</a:t>
+            </a:r>
+            <a:r>
+              <a:rPr lang="ko-KR" altLang="en-US"/>
+              <a:t> 알고리즘 교체 후 다시 함수 실행</a:t>
+            </a:r>
+            <a:endParaRPr lang="ko-KR" altLang="en-US"/>
+          </a:p>
+        </p:txBody>
+      </p:sp>
+    </p:spTree>
+  </p:cSld>
+  <p:clrMapOvr>
+    <a:masterClrMapping/>
+  </p:clrMapOvr>
+  <mc:AlternateContent xmlns:mc="http://schemas.openxmlformats.org/markup-compatibility/2006">
+    <mc:Choice xmlns:p14="http://schemas.microsoft.com/office/powerpoint/2010/main" Requires="p14">
+      <p:transition xmlns:mc="http://schemas.openxmlformats.org/markup-compatibility/2006" xmlns:p14="http://schemas.microsoft.com/office/powerpoint/2010/main" mc:Ignorable="p14" p14:dur="500"/>
+    </mc:Choice>
+    <mc:Fallback>
+      <p:transition/>
+    </mc:Fallback>
+  </mc:AlternateContent>
+</p:sld>
+</file>
+
+<file path=ppt/slides/slide9.xml><?xml version="1.0" encoding="utf-8"?>
+<p:sld xmlns:r="http://schemas.openxmlformats.org/officeDocument/2006/relationships" xmlns:c="http://schemas.openxmlformats.org/drawingml/2006/chart" xmlns:a="http://schemas.openxmlformats.org/drawingml/2006/main" xmlns:dgm="http://schemas.openxmlformats.org/drawingml/2006/diagram" xmlns:dsp="http://schemas.microsoft.com/office/drawing/2008/diagram" xmlns:p="http://schemas.openxmlformats.org/presentationml/2006/main">
+  <p:cSld>
+    <p:spTree>
+      <p:nvGrpSpPr>
+        <p:cNvPr id="1" name=""/>
+        <p:cNvGrpSpPr/>
+        <p:nvPr/>
+      </p:nvGrpSpPr>
+      <p:grpSpPr>
+        <a:xfrm>
+          <a:off x="0" y="0"/>
+          <a:ext cx="0" cy="0"/>
+          <a:chOff x="0" y="0"/>
+          <a:chExt cx="0" cy="0"/>
+        </a:xfrm>
+      </p:grpSpPr>
+      <p:sp>
+        <p:nvSpPr>
+          <p:cNvPr id="13" name="TextBox 12"/>
+          <p:cNvSpPr txBox="1"/>
+          <p:nvPr/>
+        </p:nvSpPr>
+        <p:spPr>
+          <a:xfrm>
+            <a:off x="281938" y="101138"/>
+            <a:ext cx="1466852" cy="392257"/>
+          </a:xfrm>
+          <a:prstGeom prst="rect">
+            <a:avLst/>
+          </a:prstGeom>
+          <a:noFill/>
+        </p:spPr>
+        <p:txBody>
+          <a:bodyPr wrap="none">
+            <a:spAutoFit/>
+          </a:bodyPr>
+          <a:lstStyle/>
+          <a:p>
+            <a:pPr lvl="0">
+              <a:defRPr/>
+            </a:pPr>
+            <a:r>
+              <a:rPr lang="en-US" altLang="ko-KR" sz="2000" b="1">
+                <a:latin typeface="KoPubWorld돋움체 Bold"/>
+                <a:ea typeface="KoPubWorld돋움체 Bold"/>
+                <a:cs typeface="KoPubWorld돋움체 Bold"/>
+              </a:rPr>
+              <a:t>2.</a:t>
+            </a:r>
+            <a:r>
+              <a:rPr lang="ko-KR" altLang="en-US" sz="2000" b="1">
+                <a:latin typeface="KoPubWorld돋움체 Bold"/>
+                <a:ea typeface="KoPubWorld돋움체 Bold"/>
+                <a:cs typeface="KoPubWorld돋움체 Bold"/>
+              </a:rPr>
+              <a:t> 전략패턴</a:t>
+            </a:r>
+            <a:endParaRPr lang="ko-KR" altLang="en-US" sz="2000" b="1">
+              <a:latin typeface="KoPubWorld돋움체 Bold"/>
+              <a:ea typeface="KoPubWorld돋움체 Bold"/>
+              <a:cs typeface="KoPubWorld돋움체 Bold"/>
+            </a:endParaRPr>
+          </a:p>
+        </p:txBody>
+      </p:sp>
+      <p:sp>
+        <p:nvSpPr>
+          <p:cNvPr id="16" name="직사각형 15"/>
+          <p:cNvSpPr/>
+          <p:nvPr/>
+        </p:nvSpPr>
+        <p:spPr>
+          <a:xfrm>
+            <a:off x="236831" y="711342"/>
+            <a:ext cx="10865856" cy="639303"/>
+          </a:xfrm>
+          <a:prstGeom prst="rect">
+            <a:avLst/>
+          </a:prstGeom>
+        </p:spPr>
+        <p:txBody>
+          <a:bodyPr wrap="square">
+            <a:spAutoFit/>
+          </a:bodyPr>
+          <a:lstStyle/>
+          <a:p>
+            <a:pPr>
+              <a:defRPr/>
+            </a:pPr>
+            <a:r>
+              <a:rPr lang="ko-KR" altLang="en-US" sz="3600" b="1">
+                <a:latin typeface="KoPubWorld돋움체 Bold"/>
+                <a:ea typeface="KoPubWorld돋움체 Bold"/>
+                <a:cs typeface="KoPubWorld돋움체 Bold"/>
+              </a:rPr>
+              <a:t>전략 패턴의 장단점  </a:t>
+            </a:r>
+            <a:endParaRPr lang="ko-KR" altLang="en-US" sz="3600" b="1">
+              <a:latin typeface="KoPubWorld돋움체 Bold"/>
+              <a:ea typeface="KoPubWorld돋움체 Bold"/>
+              <a:cs typeface="KoPubWorld돋움체 Bold"/>
+            </a:endParaRPr>
+          </a:p>
+        </p:txBody>
+      </p:sp>
+      <p:sp>
+        <p:nvSpPr>
+          <p:cNvPr id="69" name=""/>
+          <p:cNvSpPr txBox="1"/>
+          <p:nvPr/>
+        </p:nvSpPr>
+        <p:spPr>
+          <a:xfrm>
+            <a:off x="278751" y="1547940"/>
+            <a:ext cx="11327728" cy="2545905"/>
+          </a:xfrm>
+          <a:prstGeom prst="rect">
+            <a:avLst/>
+          </a:prstGeom>
+        </p:spPr>
+        <p:txBody>
+          <a:bodyPr wrap="square">
+            <a:spAutoFit/>
+          </a:bodyPr>
+          <a:lstStyle/>
+          <a:p>
+            <a:pPr>
+              <a:defRPr/>
+            </a:pPr>
+            <a:r>
+              <a:rPr lang="ko-KR" altLang="en-US" sz="2300"/>
+              <a:t>장점 </a:t>
+            </a:r>
+            <a:r>
+              <a:rPr lang="en-US" altLang="ko-KR" sz="2300"/>
+              <a:t>:</a:t>
+            </a:r>
+            <a:r>
+              <a:rPr lang="ko-KR" altLang="en-US" sz="2300"/>
+              <a:t> 전략패턴을 사용하면</a:t>
+            </a:r>
+            <a:r>
+              <a:rPr lang="en-US" altLang="ko-KR" sz="2300"/>
+              <a:t>,</a:t>
+            </a:r>
+            <a:r>
+              <a:rPr lang="ko-KR" altLang="en-US" sz="2300"/>
+              <a:t> 요구사항이 변경되었을 때</a:t>
+            </a:r>
+            <a:r>
+              <a:rPr lang="en-US" altLang="ko-KR" sz="2300"/>
+              <a:t>,</a:t>
+            </a:r>
+            <a:r>
+              <a:rPr lang="ko-KR" altLang="en-US" sz="2300"/>
+              <a:t> 기존의 코드를 최소화하고</a:t>
+            </a:r>
+            <a:r>
+              <a:rPr lang="en-US" altLang="ko-KR" sz="2300"/>
+              <a:t>,</a:t>
+            </a:r>
+            <a:r>
+              <a:rPr lang="ko-KR" altLang="en-US" sz="2300"/>
+              <a:t> 새로운 전략에 대해서</a:t>
+            </a:r>
+            <a:r>
+              <a:rPr lang="en-US" altLang="ko-KR" sz="2300"/>
+              <a:t>,</a:t>
+            </a:r>
+            <a:r>
+              <a:rPr lang="ko-KR" altLang="en-US" sz="2300"/>
+              <a:t> 새로운 클래스를 통해 관리하기 때문에 </a:t>
+            </a:r>
+            <a:r>
+              <a:rPr lang="en-US" altLang="ko-KR" sz="2300"/>
+              <a:t>OCP</a:t>
+            </a:r>
+            <a:r>
+              <a:rPr lang="ko-KR" altLang="en-US" sz="2300"/>
+              <a:t> 의 원칙</a:t>
+            </a:r>
+            <a:r>
+              <a:rPr lang="en-US" altLang="ko-KR" sz="2300"/>
+              <a:t>(?)</a:t>
+            </a:r>
+            <a:r>
+              <a:rPr lang="ko-KR" altLang="en-US" sz="2300"/>
+              <a:t>을 지킨다</a:t>
+            </a:r>
+            <a:r>
+              <a:rPr lang="en-US" altLang="ko-KR" sz="2300"/>
+              <a:t>.</a:t>
+            </a:r>
+            <a:r>
+              <a:rPr lang="ko-KR" altLang="en-US" sz="2300"/>
+              <a:t> </a:t>
+            </a:r>
+            <a:r>
+              <a:rPr lang="en-US" altLang="ko-KR" sz="2300"/>
+              <a:t>(</a:t>
+            </a:r>
+            <a:r>
+              <a:rPr lang="ko-KR" altLang="en-US" sz="2300"/>
+              <a:t>확장성의 용이</a:t>
+            </a:r>
+            <a:r>
+              <a:rPr lang="en-US" altLang="ko-KR" sz="2300"/>
+              <a:t>,</a:t>
+            </a:r>
+            <a:r>
+              <a:rPr lang="ko-KR" altLang="en-US" sz="2300"/>
+              <a:t> 유연성 증가</a:t>
+            </a:r>
+            <a:r>
+              <a:rPr lang="en-US" altLang="ko-KR" sz="2300"/>
+              <a:t>)</a:t>
+            </a:r>
+            <a:endParaRPr lang="en-US" altLang="ko-KR" sz="2300"/>
+          </a:p>
+          <a:p>
+            <a:pPr>
+              <a:defRPr/>
+            </a:pPr>
+            <a:endParaRPr lang="en-US" altLang="ko-KR" sz="2300"/>
+          </a:p>
+          <a:p>
+            <a:pPr>
+              <a:defRPr/>
+            </a:pPr>
+            <a:r>
+              <a:rPr lang="ko-KR" altLang="en-US" sz="2300"/>
+              <a:t>단점 </a:t>
+            </a:r>
+            <a:r>
+              <a:rPr lang="en-US" altLang="ko-KR" sz="2300"/>
+              <a:t>:</a:t>
+            </a:r>
+            <a:r>
+              <a:rPr lang="ko-KR" altLang="en-US" sz="2300"/>
+              <a:t> 알고리즘이 늘어날수록 객체도 무한정 늘어나며</a:t>
+            </a:r>
+            <a:r>
+              <a:rPr lang="en-US" altLang="ko-KR" sz="2300"/>
+              <a:t>,</a:t>
+            </a:r>
+            <a:r>
+              <a:rPr lang="ko-KR" altLang="en-US" sz="2300"/>
+              <a:t> 클라이언트가 사용할 객체를 직접 결정해야 학 때문에</a:t>
+            </a:r>
+            <a:r>
+              <a:rPr lang="en-US" altLang="ko-KR" sz="2300"/>
+              <a:t>,</a:t>
+            </a:r>
+            <a:r>
+              <a:rPr lang="ko-KR" altLang="en-US" sz="2300"/>
+              <a:t> 많은 알고리즘에 대한 성능과 효율을 알고 있어야 함</a:t>
+            </a:r>
+            <a:r>
+              <a:rPr lang="en-US" altLang="ko-KR" sz="2300"/>
+              <a:t>.</a:t>
+            </a:r>
+            <a:r>
+              <a:rPr lang="ko-KR" altLang="en-US" sz="2300"/>
+              <a:t> </a:t>
+            </a:r>
+            <a:endParaRPr lang="en-US" altLang="ko-KR" sz="2300"/>
+          </a:p>
+          <a:p>
+            <a:pPr>
+              <a:defRPr/>
+            </a:pPr>
+            <a:r>
+              <a:rPr lang="en-US" altLang="ko-KR" sz="2300"/>
+              <a:t>--&gt;(</a:t>
+            </a:r>
+            <a:r>
+              <a:rPr lang="ko-KR" altLang="en-US" sz="2300"/>
+              <a:t>이건 무슨말인지 도통 모르겠다</a:t>
+            </a:r>
+            <a:r>
+              <a:rPr lang="en-US" altLang="ko-KR" sz="2300"/>
+              <a:t>.)</a:t>
+            </a:r>
+            <a:endParaRPr lang="en-US" altLang="ko-KR" sz="2300"/>
+          </a:p>
+        </p:txBody>
+      </p:sp>
+      <p:sp>
+        <p:nvSpPr>
+          <p:cNvPr id="70" name=""/>
+          <p:cNvSpPr txBox="1"/>
+          <p:nvPr/>
+        </p:nvSpPr>
+        <p:spPr>
+          <a:xfrm>
+            <a:off x="191131" y="5428084"/>
+            <a:ext cx="11327729" cy="1148020"/>
+          </a:xfrm>
+          <a:prstGeom prst="rect">
+            <a:avLst/>
+          </a:prstGeom>
+        </p:spPr>
+        <p:txBody>
+          <a:bodyPr wrap="square">
+            <a:spAutoFit/>
+          </a:bodyPr>
+          <a:lstStyle/>
+          <a:p>
+            <a:pPr>
+              <a:defRPr/>
+            </a:pPr>
+            <a:r>
+              <a:rPr lang="en-US" altLang="ko-KR" sz="2300"/>
+              <a:t>Test code</a:t>
+            </a:r>
+            <a:r>
+              <a:rPr lang="ko-KR" altLang="en-US" sz="2300"/>
+              <a:t> 작성할 때 사용했던</a:t>
+            </a:r>
+            <a:r>
+              <a:rPr lang="en-US" altLang="ko-KR" sz="2300"/>
+              <a:t>,</a:t>
+            </a:r>
+            <a:r>
+              <a:rPr lang="ko-KR" altLang="en-US" sz="2300"/>
+              <a:t> </a:t>
+            </a:r>
+            <a:r>
+              <a:rPr lang="en-US" altLang="ko-KR" sz="2300"/>
+              <a:t>Mock</a:t>
+            </a:r>
+            <a:r>
+              <a:rPr lang="ko-KR" altLang="en-US" sz="2300"/>
+              <a:t> 객체도 </a:t>
+            </a:r>
+            <a:endParaRPr lang="ko-KR" altLang="en-US" sz="2300"/>
+          </a:p>
+          <a:p>
+            <a:pPr>
+              <a:defRPr/>
+            </a:pPr>
+            <a:r>
+              <a:rPr lang="ko-KR" altLang="en-US" sz="2300"/>
+              <a:t>이 전략 패턴처럼</a:t>
+            </a:r>
+            <a:r>
+              <a:rPr lang="en-US" altLang="ko-KR" sz="2300"/>
+              <a:t>..</a:t>
+            </a:r>
+            <a:r>
+              <a:rPr lang="ko-KR" altLang="en-US" sz="2300"/>
+              <a:t> 기존의 수행하도 객체를 다른 가짜 객채로 만들고</a:t>
+            </a:r>
+            <a:r>
+              <a:rPr lang="en-US" altLang="ko-KR" sz="2300"/>
+              <a:t>,</a:t>
+            </a:r>
+            <a:r>
+              <a:rPr lang="ko-KR" altLang="en-US" sz="2300"/>
+              <a:t> 코드를 작동시킬 수 있도록 하는것이 아닌가</a:t>
+            </a:r>
+            <a:r>
+              <a:rPr lang="en-US" altLang="ko-KR" sz="2300"/>
+              <a:t>?</a:t>
+            </a:r>
+            <a:r>
+              <a:rPr lang="ko-KR" altLang="en-US" sz="2300"/>
+              <a:t> 라고 추측함</a:t>
+            </a:r>
+            <a:r>
+              <a:rPr lang="en-US" altLang="ko-KR" sz="2300"/>
+              <a:t>.</a:t>
+            </a:r>
+            <a:endParaRPr lang="en-US" altLang="ko-KR" sz="2300"/>
+          </a:p>
+        </p:txBody>
+      </p:sp>
+      <p:sp>
+        <p:nvSpPr>
+          <p:cNvPr id="71" name="직사각형 15"/>
+          <p:cNvSpPr/>
+          <p:nvPr/>
+        </p:nvSpPr>
+        <p:spPr>
+          <a:xfrm>
+            <a:off x="200652" y="4557803"/>
+            <a:ext cx="10967459" cy="640942"/>
+          </a:xfrm>
+          <a:prstGeom prst="rect">
+            <a:avLst/>
+          </a:prstGeom>
+        </p:spPr>
+        <p:txBody>
+          <a:bodyPr wrap="square">
+            <a:spAutoFit/>
+          </a:bodyPr>
+          <a:lstStyle/>
+          <a:p>
+            <a:pPr>
+              <a:defRPr/>
+            </a:pPr>
+            <a:r>
+              <a:rPr lang="ko-KR" altLang="en-US" sz="3600" b="1">
+                <a:latin typeface="KoPubWorld돋움체 Bold"/>
+                <a:ea typeface="KoPubWorld돋움체 Bold"/>
+                <a:cs typeface="KoPubWorld돋움체 Bold"/>
+              </a:rPr>
+              <a:t>전략 패턴이 사용됬을 것으로 추측되는 부분  </a:t>
+            </a:r>
+            <a:endParaRPr lang="ko-KR" altLang="en-US" sz="3600" b="1">
+              <a:latin typeface="KoPubWorld돋움체 Bold"/>
+              <a:ea typeface="KoPubWorld돋움체 Bold"/>
+              <a:cs typeface="KoPubWorld돋움체 Bold"/>
+            </a:endParaRPr>
           </a:p>
         </p:txBody>
       </p:sp>
